--- a/DIN-PTT.pptx
+++ b/DIN-PTT.pptx
@@ -344,7 +344,7 @@
           <a:p>
             <a:fld id="{129950DD-C43F-43A6-A0D6-586CE2C100B3}" type="datetimeFigureOut">
               <a:rPr lang="hu-HU" smtClean="0"/>
-              <a:t>2026. 01. 21.</a:t>
+              <a:t>2026. 01. 22.</a:t>
             </a:fld>
             <a:endParaRPr lang="hu-HU"/>
           </a:p>
@@ -552,7 +552,7 @@
           <a:p>
             <a:fld id="{129950DD-C43F-43A6-A0D6-586CE2C100B3}" type="datetimeFigureOut">
               <a:rPr lang="hu-HU" smtClean="0"/>
-              <a:t>2026. 01. 21.</a:t>
+              <a:t>2026. 01. 22.</a:t>
             </a:fld>
             <a:endParaRPr lang="hu-HU"/>
           </a:p>
@@ -808,7 +808,7 @@
           <a:p>
             <a:fld id="{129950DD-C43F-43A6-A0D6-586CE2C100B3}" type="datetimeFigureOut">
               <a:rPr lang="hu-HU" smtClean="0"/>
-              <a:t>2026. 01. 21.</a:t>
+              <a:t>2026. 01. 22.</a:t>
             </a:fld>
             <a:endParaRPr lang="hu-HU"/>
           </a:p>
@@ -982,7 +982,7 @@
           <a:p>
             <a:fld id="{129950DD-C43F-43A6-A0D6-586CE2C100B3}" type="datetimeFigureOut">
               <a:rPr lang="hu-HU" smtClean="0"/>
-              <a:t>2026. 01. 21.</a:t>
+              <a:t>2026. 01. 22.</a:t>
             </a:fld>
             <a:endParaRPr lang="hu-HU"/>
           </a:p>
@@ -1325,7 +1325,7 @@
           <a:p>
             <a:fld id="{129950DD-C43F-43A6-A0D6-586CE2C100B3}" type="datetimeFigureOut">
               <a:rPr lang="hu-HU" smtClean="0"/>
-              <a:t>2026. 01. 21.</a:t>
+              <a:t>2026. 01. 22.</a:t>
             </a:fld>
             <a:endParaRPr lang="hu-HU"/>
           </a:p>
@@ -1600,7 +1600,7 @@
           <a:p>
             <a:fld id="{129950DD-C43F-43A6-A0D6-586CE2C100B3}" type="datetimeFigureOut">
               <a:rPr lang="hu-HU" smtClean="0"/>
-              <a:t>2026. 01. 21.</a:t>
+              <a:t>2026. 01. 22.</a:t>
             </a:fld>
             <a:endParaRPr lang="hu-HU"/>
           </a:p>
@@ -1979,7 +1979,7 @@
           <a:p>
             <a:fld id="{129950DD-C43F-43A6-A0D6-586CE2C100B3}" type="datetimeFigureOut">
               <a:rPr lang="hu-HU" smtClean="0"/>
-              <a:t>2026. 01. 21.</a:t>
+              <a:t>2026. 01. 22.</a:t>
             </a:fld>
             <a:endParaRPr lang="hu-HU"/>
           </a:p>
@@ -2097,7 +2097,7 @@
           <a:p>
             <a:fld id="{129950DD-C43F-43A6-A0D6-586CE2C100B3}" type="datetimeFigureOut">
               <a:rPr lang="hu-HU" smtClean="0"/>
-              <a:t>2026. 01. 21.</a:t>
+              <a:t>2026. 01. 22.</a:t>
             </a:fld>
             <a:endParaRPr lang="hu-HU"/>
           </a:p>
@@ -2268,7 +2268,7 @@
           <a:p>
             <a:fld id="{129950DD-C43F-43A6-A0D6-586CE2C100B3}" type="datetimeFigureOut">
               <a:rPr lang="hu-HU" smtClean="0"/>
-              <a:t>2026. 01. 21.</a:t>
+              <a:t>2026. 01. 22.</a:t>
             </a:fld>
             <a:endParaRPr lang="hu-HU"/>
           </a:p>
@@ -2622,7 +2622,7 @@
           <a:p>
             <a:fld id="{129950DD-C43F-43A6-A0D6-586CE2C100B3}" type="datetimeFigureOut">
               <a:rPr lang="hu-HU" smtClean="0"/>
-              <a:t>2026. 01. 21.</a:t>
+              <a:t>2026. 01. 22.</a:t>
             </a:fld>
             <a:endParaRPr lang="hu-HU"/>
           </a:p>
@@ -3004,7 +3004,7 @@
           <a:p>
             <a:fld id="{129950DD-C43F-43A6-A0D6-586CE2C100B3}" type="datetimeFigureOut">
               <a:rPr lang="hu-HU" smtClean="0"/>
-              <a:t>2026. 01. 21.</a:t>
+              <a:t>2026. 01. 22.</a:t>
             </a:fld>
             <a:endParaRPr lang="hu-HU"/>
           </a:p>
@@ -3291,7 +3291,7 @@
           <a:p>
             <a:fld id="{129950DD-C43F-43A6-A0D6-586CE2C100B3}" type="datetimeFigureOut">
               <a:rPr lang="hu-HU" smtClean="0"/>
-              <a:t>2026. 01. 21.</a:t>
+              <a:t>2026. 01. 22.</a:t>
             </a:fld>
             <a:endParaRPr lang="hu-HU"/>
           </a:p>
@@ -4231,6 +4231,42 @@
           </a:prstGeom>
         </p:spPr>
       </p:pic>
+      <p:pic>
+        <p:nvPicPr>
+          <p:cNvPr id="9" name="Kép 8">
+            <a:extLst>
+              <a:ext uri="{FF2B5EF4-FFF2-40B4-BE49-F238E27FC236}">
+                <a16:creationId xmlns:a16="http://schemas.microsoft.com/office/drawing/2014/main" id="{FA4988D9-298D-4F60-B6D3-35C582E0AFBE}"/>
+              </a:ext>
+            </a:extLst>
+          </p:cNvPr>
+          <p:cNvPicPr>
+            <a:picLocks noChangeAspect="1"/>
+          </p:cNvPicPr>
+          <p:nvPr/>
+        </p:nvPicPr>
+        <p:blipFill>
+          <a:blip r:embed="rId4">
+            <a:extLst>
+              <a:ext uri="{28A0092B-C50C-407E-A947-70E740481C1C}">
+                <a14:useLocalDpi xmlns:a14="http://schemas.microsoft.com/office/drawing/2010/main" val="0"/>
+              </a:ext>
+            </a:extLst>
+          </a:blip>
+          <a:stretch>
+            <a:fillRect/>
+          </a:stretch>
+        </p:blipFill>
+        <p:spPr>
+          <a:xfrm>
+            <a:off x="10167205" y="5717913"/>
+            <a:ext cx="2024795" cy="1140087"/>
+          </a:xfrm>
+          <a:prstGeom prst="rect">
+            <a:avLst/>
+          </a:prstGeom>
+        </p:spPr>
+      </p:pic>
     </p:spTree>
     <p:extLst>
       <p:ext uri="{BB962C8B-B14F-4D97-AF65-F5344CB8AC3E}">
@@ -4466,6 +4502,42 @@
           <a:xfrm>
             <a:off x="5554353" y="4000479"/>
             <a:ext cx="2693281" cy="2408110"/>
+          </a:xfrm>
+          <a:prstGeom prst="rect">
+            <a:avLst/>
+          </a:prstGeom>
+        </p:spPr>
+      </p:pic>
+      <p:pic>
+        <p:nvPicPr>
+          <p:cNvPr id="9" name="Kép 8">
+            <a:extLst>
+              <a:ext uri="{FF2B5EF4-FFF2-40B4-BE49-F238E27FC236}">
+                <a16:creationId xmlns:a16="http://schemas.microsoft.com/office/drawing/2014/main" id="{14834300-2CC2-4262-9A90-9346C9F44899}"/>
+              </a:ext>
+            </a:extLst>
+          </p:cNvPr>
+          <p:cNvPicPr>
+            <a:picLocks noChangeAspect="1"/>
+          </p:cNvPicPr>
+          <p:nvPr/>
+        </p:nvPicPr>
+        <p:blipFill>
+          <a:blip r:embed="rId4">
+            <a:extLst>
+              <a:ext uri="{28A0092B-C50C-407E-A947-70E740481C1C}">
+                <a14:useLocalDpi xmlns:a14="http://schemas.microsoft.com/office/drawing/2010/main" val="0"/>
+              </a:ext>
+            </a:extLst>
+          </a:blip>
+          <a:stretch>
+            <a:fillRect/>
+          </a:stretch>
+        </p:blipFill>
+        <p:spPr>
+          <a:xfrm>
+            <a:off x="10890902" y="5334190"/>
+            <a:ext cx="1534071" cy="1523810"/>
           </a:xfrm>
           <a:prstGeom prst="rect">
             <a:avLst/>
@@ -4711,6 +4783,42 @@
           </a:prstGeom>
         </p:spPr>
       </p:pic>
+      <p:pic>
+        <p:nvPicPr>
+          <p:cNvPr id="8" name="Kép 7">
+            <a:extLst>
+              <a:ext uri="{FF2B5EF4-FFF2-40B4-BE49-F238E27FC236}">
+                <a16:creationId xmlns:a16="http://schemas.microsoft.com/office/drawing/2014/main" id="{0B0A6EA8-7D16-4610-B1B8-D573F6990477}"/>
+              </a:ext>
+            </a:extLst>
+          </p:cNvPr>
+          <p:cNvPicPr>
+            <a:picLocks noChangeAspect="1"/>
+          </p:cNvPicPr>
+          <p:nvPr/>
+        </p:nvPicPr>
+        <p:blipFill>
+          <a:blip r:embed="rId4">
+            <a:extLst>
+              <a:ext uri="{28A0092B-C50C-407E-A947-70E740481C1C}">
+                <a14:useLocalDpi xmlns:a14="http://schemas.microsoft.com/office/drawing/2010/main" val="0"/>
+              </a:ext>
+            </a:extLst>
+          </a:blip>
+          <a:stretch>
+            <a:fillRect/>
+          </a:stretch>
+        </p:blipFill>
+        <p:spPr>
+          <a:xfrm flipH="1">
+            <a:off x="10789086" y="4924142"/>
+            <a:ext cx="1402914" cy="1933858"/>
+          </a:xfrm>
+          <a:prstGeom prst="rect">
+            <a:avLst/>
+          </a:prstGeom>
+        </p:spPr>
+      </p:pic>
     </p:spTree>
     <p:extLst>
       <p:ext uri="{BB962C8B-B14F-4D97-AF65-F5344CB8AC3E}">
@@ -4931,8 +5039,44 @@
         </p:blipFill>
         <p:spPr>
           <a:xfrm>
-            <a:off x="7505602" y="4168732"/>
-            <a:ext cx="4397746" cy="2220893"/>
+            <a:off x="7425703" y="3945802"/>
+            <a:ext cx="3573730" cy="1804759"/>
+          </a:xfrm>
+          <a:prstGeom prst="rect">
+            <a:avLst/>
+          </a:prstGeom>
+        </p:spPr>
+      </p:pic>
+      <p:pic>
+        <p:nvPicPr>
+          <p:cNvPr id="5" name="Kép 4">
+            <a:extLst>
+              <a:ext uri="{FF2B5EF4-FFF2-40B4-BE49-F238E27FC236}">
+                <a16:creationId xmlns:a16="http://schemas.microsoft.com/office/drawing/2014/main" id="{65C4C6EA-67AC-47D6-A61C-5E97F4329BB0}"/>
+              </a:ext>
+            </a:extLst>
+          </p:cNvPr>
+          <p:cNvPicPr>
+            <a:picLocks noChangeAspect="1"/>
+          </p:cNvPicPr>
+          <p:nvPr/>
+        </p:nvPicPr>
+        <p:blipFill>
+          <a:blip r:embed="rId4">
+            <a:extLst>
+              <a:ext uri="{28A0092B-C50C-407E-A947-70E740481C1C}">
+                <a14:useLocalDpi xmlns:a14="http://schemas.microsoft.com/office/drawing/2010/main" val="0"/>
+              </a:ext>
+            </a:extLst>
+          </a:blip>
+          <a:stretch>
+            <a:fillRect/>
+          </a:stretch>
+        </p:blipFill>
+        <p:spPr>
+          <a:xfrm>
+            <a:off x="10804743" y="5473066"/>
+            <a:ext cx="1387257" cy="1387257"/>
           </a:xfrm>
           <a:prstGeom prst="rect">
             <a:avLst/>
@@ -5163,6 +5307,42 @@
           </a:p>
         </p:txBody>
       </p:sp>
+      <p:pic>
+        <p:nvPicPr>
+          <p:cNvPr id="5" name="Kép 4">
+            <a:extLst>
+              <a:ext uri="{FF2B5EF4-FFF2-40B4-BE49-F238E27FC236}">
+                <a16:creationId xmlns:a16="http://schemas.microsoft.com/office/drawing/2014/main" id="{8609C22A-756E-4E27-9D4A-FC4B38A5FD61}"/>
+              </a:ext>
+            </a:extLst>
+          </p:cNvPr>
+          <p:cNvPicPr>
+            <a:picLocks noChangeAspect="1"/>
+          </p:cNvPicPr>
+          <p:nvPr/>
+        </p:nvPicPr>
+        <p:blipFill>
+          <a:blip r:embed="rId2">
+            <a:extLst>
+              <a:ext uri="{28A0092B-C50C-407E-A947-70E740481C1C}">
+                <a14:useLocalDpi xmlns:a14="http://schemas.microsoft.com/office/drawing/2010/main" val="0"/>
+              </a:ext>
+            </a:extLst>
+          </a:blip>
+          <a:stretch>
+            <a:fillRect/>
+          </a:stretch>
+        </p:blipFill>
+        <p:spPr>
+          <a:xfrm>
+            <a:off x="10550557" y="5026964"/>
+            <a:ext cx="1904816" cy="1901007"/>
+          </a:xfrm>
+          <a:prstGeom prst="rect">
+            <a:avLst/>
+          </a:prstGeom>
+        </p:spPr>
+      </p:pic>
     </p:spTree>
     <p:extLst>
       <p:ext uri="{BB962C8B-B14F-4D97-AF65-F5344CB8AC3E}">
@@ -5297,6 +5477,42 @@
           <a:ln>
             <a:noFill/>
           </a:ln>
+        </p:spPr>
+      </p:pic>
+      <p:pic>
+        <p:nvPicPr>
+          <p:cNvPr id="7" name="Kép 6">
+            <a:extLst>
+              <a:ext uri="{FF2B5EF4-FFF2-40B4-BE49-F238E27FC236}">
+                <a16:creationId xmlns:a16="http://schemas.microsoft.com/office/drawing/2014/main" id="{E4E9E284-D7CF-4B79-9090-341E8F5A3F79}"/>
+              </a:ext>
+            </a:extLst>
+          </p:cNvPr>
+          <p:cNvPicPr>
+            <a:picLocks noChangeAspect="1"/>
+          </p:cNvPicPr>
+          <p:nvPr/>
+        </p:nvPicPr>
+        <p:blipFill>
+          <a:blip r:embed="rId3">
+            <a:extLst>
+              <a:ext uri="{28A0092B-C50C-407E-A947-70E740481C1C}">
+                <a14:useLocalDpi xmlns:a14="http://schemas.microsoft.com/office/drawing/2010/main" val="0"/>
+              </a:ext>
+            </a:extLst>
+          </a:blip>
+          <a:stretch>
+            <a:fillRect/>
+          </a:stretch>
+        </p:blipFill>
+        <p:spPr>
+          <a:xfrm>
+            <a:off x="10910333" y="5028876"/>
+            <a:ext cx="1829124" cy="1829124"/>
+          </a:xfrm>
+          <a:prstGeom prst="rect">
+            <a:avLst/>
+          </a:prstGeom>
         </p:spPr>
       </p:pic>
     </p:spTree>

--- a/DIN-PTT.pptx
+++ b/DIN-PTT.pptx
@@ -3894,6 +3894,42 @@
           </a:p>
         </p:txBody>
       </p:sp>
+      <p:pic>
+        <p:nvPicPr>
+          <p:cNvPr id="5" name="Kép 4">
+            <a:extLst>
+              <a:ext uri="{FF2B5EF4-FFF2-40B4-BE49-F238E27FC236}">
+                <a16:creationId xmlns:a16="http://schemas.microsoft.com/office/drawing/2014/main" id="{32124A88-382E-42BD-BB8C-5C5B6185FD99}"/>
+              </a:ext>
+            </a:extLst>
+          </p:cNvPr>
+          <p:cNvPicPr>
+            <a:picLocks noChangeAspect="1"/>
+          </p:cNvPicPr>
+          <p:nvPr/>
+        </p:nvPicPr>
+        <p:blipFill>
+          <a:blip r:embed="rId2">
+            <a:extLst>
+              <a:ext uri="{28A0092B-C50C-407E-A947-70E740481C1C}">
+                <a14:useLocalDpi xmlns:a14="http://schemas.microsoft.com/office/drawing/2010/main" val="0"/>
+              </a:ext>
+            </a:extLst>
+          </a:blip>
+          <a:stretch>
+            <a:fillRect/>
+          </a:stretch>
+        </p:blipFill>
+        <p:spPr>
+          <a:xfrm>
+            <a:off x="9177569" y="656570"/>
+            <a:ext cx="3014431" cy="3491619"/>
+          </a:xfrm>
+          <a:prstGeom prst="rect">
+            <a:avLst/>
+          </a:prstGeom>
+        </p:spPr>
+      </p:pic>
     </p:spTree>
     <p:extLst>
       <p:ext uri="{BB962C8B-B14F-4D97-AF65-F5344CB8AC3E}">
@@ -4097,7 +4133,7 @@
               <a:buChar char="-"/>
             </a:pPr>
             <a:r>
-              <a:rPr lang="hu-HU" b="1" i="1" dirty="0"/>
+              <a:rPr lang="hu-HU" dirty="0"/>
               <a:t>Új futás rögzítése</a:t>
             </a:r>
           </a:p>
@@ -4114,7 +4150,7 @@
               <a:buChar char="-"/>
             </a:pPr>
             <a:r>
-              <a:rPr lang="hu-HU" b="1" i="1" dirty="0"/>
+              <a:rPr lang="hu-HU" dirty="0"/>
               <a:t>Futások</a:t>
             </a:r>
           </a:p>
@@ -4131,7 +4167,7 @@
               <a:buChar char="-"/>
             </a:pPr>
             <a:r>
-              <a:rPr lang="hu-HU" b="1" i="1" dirty="0"/>
+              <a:rPr lang="hu-HU" dirty="0"/>
               <a:t>Statisztikák</a:t>
             </a:r>
           </a:p>
@@ -4148,7 +4184,7 @@
               <a:buChar char="-"/>
             </a:pPr>
             <a:r>
-              <a:rPr lang="hu-HU" b="1" i="1" dirty="0"/>
+              <a:rPr lang="hu-HU" dirty="0"/>
               <a:t>Futások és fiók kezelés</a:t>
             </a:r>
           </a:p>
@@ -4165,7 +4201,7 @@
               <a:buChar char="-"/>
             </a:pPr>
             <a:r>
-              <a:rPr lang="hu-HU" b="1" i="1" dirty="0"/>
+              <a:rPr lang="hu-HU" dirty="0"/>
               <a:t>5km lefutási idő beállító</a:t>
             </a:r>
           </a:p>
@@ -5150,7 +5186,7 @@
           <a:p>
             <a:r>
               <a:rPr lang="hu-HU" sz="6600" dirty="0"/>
-              <a:t>A program főbb részei</a:t>
+              <a:t>A program főbb függvényei</a:t>
             </a:r>
           </a:p>
         </p:txBody>
@@ -5171,9 +5207,16 @@
             <p:ph idx="1"/>
           </p:nvPr>
         </p:nvSpPr>
-        <p:spPr/>
-        <p:txBody>
-          <a:bodyPr/>
+        <p:spPr>
+          <a:xfrm>
+            <a:off x="1097280" y="1845734"/>
+            <a:ext cx="10058400" cy="4023360"/>
+          </a:xfrm>
+        </p:spPr>
+        <p:txBody>
+          <a:bodyPr>
+            <a:normAutofit/>
+          </a:bodyPr>
           <a:lstStyle/>
           <a:p>
             <a:pPr>
@@ -5181,12 +5224,12 @@
               <a:buChar char="-"/>
             </a:pPr>
             <a:r>
-              <a:rPr lang="hu-HU" dirty="0" err="1"/>
-              <a:t>AdminMenu</a:t>
-            </a:r>
-            <a:r>
-              <a:rPr lang="hu-HU" dirty="0"/>
-              <a:t>() -&gt; Az adminisztrátori jogosultságokkal elérhető központi kezelőfelület, amely hozzáférést biztosít a rendszer összes adatához.</a:t>
+              <a:rPr lang="hu-HU" sz="2400" dirty="0" err="1"/>
+              <a:t>VersenyAdafelvetel</a:t>
+            </a:r>
+            <a:r>
+              <a:rPr lang="hu-HU" sz="2400" dirty="0"/>
+              <a:t>() -&gt; A felhasználótól bekéri a futásának adatait és tárolja azokat.</a:t>
             </a:r>
           </a:p>
           <a:p>
@@ -5195,12 +5238,12 @@
               <a:buChar char="-"/>
             </a:pPr>
             <a:r>
-              <a:rPr lang="hu-HU" dirty="0" err="1"/>
-              <a:t>ModifyUser</a:t>
-            </a:r>
-            <a:r>
-              <a:rPr lang="hu-HU" dirty="0"/>
-              <a:t>() -&gt; Lehetővé teszi a regisztrált felhasználók adatainak utólagos módosítását.</a:t>
+              <a:rPr lang="hu-HU" sz="2400" dirty="0" err="1"/>
+              <a:t>Megjelenites</a:t>
+            </a:r>
+            <a:r>
+              <a:rPr lang="hu-HU" sz="2400" dirty="0"/>
+              <a:t>() -&gt; A felhasználó összes futását táblázatos formában megjeleníti</a:t>
             </a:r>
           </a:p>
           <a:p>
@@ -5209,12 +5252,20 @@
               <a:buChar char="-"/>
             </a:pPr>
             <a:r>
-              <a:rPr lang="hu-HU" dirty="0" err="1"/>
-              <a:t>Megjelenites</a:t>
-            </a:r>
-            <a:r>
-              <a:rPr lang="hu-HU" dirty="0"/>
-              <a:t>() -&gt; A felhasználó összes futását táblázatos formában megjeleníti</a:t>
+              <a:rPr lang="hu-HU" sz="2400" dirty="0" err="1"/>
+              <a:t>ArrowMenu</a:t>
+            </a:r>
+            <a:r>
+              <a:rPr lang="hu-HU" sz="2400" dirty="0"/>
+              <a:t>() -&gt; Nyilakkal vagy </a:t>
+            </a:r>
+            <a:r>
+              <a:rPr lang="hu-HU" sz="2400" dirty="0" err="1"/>
+              <a:t>wasd</a:t>
+            </a:r>
+            <a:r>
+              <a:rPr lang="hu-HU" sz="2400" dirty="0"/>
+              <a:t>-vel vezérelhető interaktív menürendszer</a:t>
             </a:r>
           </a:p>
           <a:p>
@@ -5223,20 +5274,28 @@
               <a:buChar char="-"/>
             </a:pPr>
             <a:r>
-              <a:rPr lang="hu-HU" dirty="0" err="1"/>
-              <a:t>ArrowMenu</a:t>
-            </a:r>
-            <a:r>
-              <a:rPr lang="hu-HU" dirty="0"/>
-              <a:t>() -&gt; Nyilakkal vagy </a:t>
-            </a:r>
-            <a:r>
-              <a:rPr lang="hu-HU" dirty="0" err="1"/>
-              <a:t>wasd</a:t>
-            </a:r>
-            <a:r>
-              <a:rPr lang="hu-HU" dirty="0"/>
-              <a:t>-vel vezérelhető interaktív menürendszer</a:t>
+              <a:rPr lang="hu-HU" sz="2400" dirty="0" err="1"/>
+              <a:t>WriteLine</a:t>
+            </a:r>
+            <a:r>
+              <a:rPr lang="hu-HU" sz="2400" dirty="0"/>
+              <a:t>()/ </a:t>
+            </a:r>
+            <a:r>
+              <a:rPr lang="hu-HU" sz="2400" dirty="0" err="1"/>
+              <a:t>Write</a:t>
+            </a:r>
+            <a:r>
+              <a:rPr lang="hu-HU" sz="2400" dirty="0"/>
+              <a:t>() -&gt; </a:t>
+            </a:r>
+            <a:r>
+              <a:rPr lang="hu-HU" sz="2400" dirty="0" err="1"/>
+              <a:t>Kiirási</a:t>
+            </a:r>
+            <a:r>
+              <a:rPr lang="hu-HU" sz="2400" dirty="0"/>
+              <a:t> segédfüggvények amelyek a konzol szélességéhez igazítva középre rendezve jelenítik meg a szövegeket.</a:t>
             </a:r>
           </a:p>
           <a:p>
@@ -5245,28 +5304,20 @@
               <a:buChar char="-"/>
             </a:pPr>
             <a:r>
-              <a:rPr lang="hu-HU" dirty="0" err="1"/>
-              <a:t>WriteLine</a:t>
-            </a:r>
-            <a:r>
-              <a:rPr lang="hu-HU" dirty="0"/>
-              <a:t>()/ </a:t>
-            </a:r>
-            <a:r>
-              <a:rPr lang="hu-HU" dirty="0" err="1"/>
-              <a:t>Write</a:t>
-            </a:r>
-            <a:r>
-              <a:rPr lang="hu-HU" dirty="0"/>
+              <a:rPr lang="hu-HU" sz="2400" dirty="0" err="1"/>
+              <a:t>Statisztikak</a:t>
+            </a:r>
+            <a:r>
+              <a:rPr lang="hu-HU" sz="2400" dirty="0"/>
               <a:t>() -&gt; </a:t>
             </a:r>
             <a:r>
-              <a:rPr lang="hu-HU" dirty="0" err="1"/>
-              <a:t>Kiirási</a:t>
-            </a:r>
-            <a:r>
-              <a:rPr lang="hu-HU" dirty="0"/>
-              <a:t> segédfüggvények amelyek a konzol szélességéhez igazítva középre rendezve jelenítik meg a szövegeket.</a:t>
+              <a:rPr lang="hu-HU" sz="2400" dirty="0" err="1"/>
+              <a:t>Kiirja</a:t>
+            </a:r>
+            <a:r>
+              <a:rPr lang="hu-HU" sz="2400" dirty="0"/>
+              <a:t> a felhasználó futási statisztikáit</a:t>
             </a:r>
           </a:p>
           <a:p>
@@ -5275,33 +5326,11 @@
               <a:buChar char="-"/>
             </a:pPr>
             <a:r>
-              <a:rPr lang="hu-HU" dirty="0" err="1"/>
-              <a:t>Statisztikak</a:t>
-            </a:r>
-            <a:r>
-              <a:rPr lang="hu-HU" dirty="0"/>
-              <a:t>() -&gt; </a:t>
-            </a:r>
-            <a:r>
-              <a:rPr lang="hu-HU" dirty="0" err="1"/>
-              <a:t>Kiirja</a:t>
-            </a:r>
-            <a:r>
-              <a:rPr lang="hu-HU" dirty="0"/>
-              <a:t> a felhasználó futási statisztikáit</a:t>
-            </a:r>
-          </a:p>
-          <a:p>
-            <a:pPr>
-              <a:buFont typeface="Sitka Text Semibold" pitchFamily="2" charset="0"/>
-              <a:buChar char="-"/>
-            </a:pPr>
-            <a:r>
-              <a:rPr lang="hu-HU" dirty="0" err="1"/>
+              <a:rPr lang="hu-HU" sz="2400" dirty="0" err="1"/>
               <a:t>Register</a:t>
             </a:r>
             <a:r>
-              <a:rPr lang="hu-HU" dirty="0"/>
+              <a:rPr lang="hu-HU" sz="2400" dirty="0"/>
               <a:t>()/ Login() -&gt; Új felhasználói fiók létrehozására és abba való bejelentkezésre szolgáló függvények</a:t>
             </a:r>
           </a:p>

--- a/DIN-PTT.pptx
+++ b/DIN-PTT.pptx
@@ -2,7 +2,7 @@
 <file path=ppt/presentation.xml><?xml version="1.0" encoding="utf-8"?>
 <p:presentation xmlns:a="http://schemas.openxmlformats.org/drawingml/2006/main" xmlns:r="http://schemas.openxmlformats.org/officeDocument/2006/relationships" xmlns:p="http://schemas.openxmlformats.org/presentationml/2006/main" saveSubsetFonts="1">
   <p:sldMasterIdLst>
-    <p:sldMasterId id="2147483660" r:id="rId1"/>
+    <p:sldMasterId id="2147483672" r:id="rId1"/>
   </p:sldMasterIdLst>
   <p:sldIdLst>
     <p:sldId id="256" r:id="rId2"/>
@@ -121,6 +121,14 @@
 <file path=ppt/slideLayouts/slideLayout1.xml><?xml version="1.0" encoding="utf-8"?>
 <p:sldLayout xmlns:a="http://schemas.openxmlformats.org/drawingml/2006/main" xmlns:r="http://schemas.openxmlformats.org/officeDocument/2006/relationships" xmlns:p="http://schemas.openxmlformats.org/presentationml/2006/main" showMasterSp="0" type="title" preserve="1">
   <p:cSld name="Címdia">
+    <p:bg>
+      <p:bgPr>
+        <a:solidFill>
+          <a:schemeClr val="bg2"/>
+        </a:solidFill>
+        <a:effectLst/>
+      </p:bgPr>
+    </p:bg>
     <p:spTree>
       <p:nvGrpSpPr>
         <p:cNvPr id="1" name=""/>
@@ -137,82 +145,6 @@
       </p:grpSpPr>
       <p:sp>
         <p:nvSpPr>
-          <p:cNvPr id="7" name="Rectangle 6"/>
-          <p:cNvSpPr/>
-          <p:nvPr/>
-        </p:nvSpPr>
-        <p:spPr>
-          <a:xfrm>
-            <a:off x="3175" y="6400800"/>
-            <a:ext cx="12188825" cy="457200"/>
-          </a:xfrm>
-          <a:prstGeom prst="rect">
-            <a:avLst/>
-          </a:prstGeom>
-          <a:solidFill>
-            <a:schemeClr val="accent2"/>
-          </a:solidFill>
-          <a:ln>
-            <a:noFill/>
-          </a:ln>
-        </p:spPr>
-        <p:style>
-          <a:lnRef idx="2">
-            <a:schemeClr val="accent1">
-              <a:shade val="50000"/>
-            </a:schemeClr>
-          </a:lnRef>
-          <a:fillRef idx="1">
-            <a:schemeClr val="accent1"/>
-          </a:fillRef>
-          <a:effectRef idx="0">
-            <a:schemeClr val="accent1"/>
-          </a:effectRef>
-          <a:fontRef idx="minor">
-            <a:schemeClr val="lt1"/>
-          </a:fontRef>
-        </p:style>
-      </p:sp>
-      <p:sp>
-        <p:nvSpPr>
-          <p:cNvPr id="8" name="Rectangle 7"/>
-          <p:cNvSpPr/>
-          <p:nvPr/>
-        </p:nvSpPr>
-        <p:spPr>
-          <a:xfrm>
-            <a:off x="15" y="6334316"/>
-            <a:ext cx="12188825" cy="64008"/>
-          </a:xfrm>
-          <a:prstGeom prst="rect">
-            <a:avLst/>
-          </a:prstGeom>
-          <a:solidFill>
-            <a:schemeClr val="accent1"/>
-          </a:solidFill>
-          <a:ln>
-            <a:noFill/>
-          </a:ln>
-        </p:spPr>
-        <p:style>
-          <a:lnRef idx="2">
-            <a:schemeClr val="accent1">
-              <a:shade val="50000"/>
-            </a:schemeClr>
-          </a:lnRef>
-          <a:fillRef idx="1">
-            <a:schemeClr val="accent1"/>
-          </a:fillRef>
-          <a:effectRef idx="0">
-            <a:schemeClr val="accent1"/>
-          </a:effectRef>
-          <a:fontRef idx="minor">
-            <a:schemeClr val="lt1"/>
-          </a:fontRef>
-        </p:style>
-      </p:sp>
-      <p:sp>
-        <p:nvSpPr>
           <p:cNvPr id="2" name="Title 1"/>
           <p:cNvSpPr>
             <a:spLocks noGrp="1"/>
@@ -223,25 +155,19 @@
         </p:nvSpPr>
         <p:spPr>
           <a:xfrm>
-            <a:off x="1097280" y="758952"/>
-            <a:ext cx="10058400" cy="3566160"/>
+            <a:off x="1915128" y="1788454"/>
+            <a:ext cx="8361229" cy="2098226"/>
           </a:xfrm>
         </p:spPr>
         <p:txBody>
           <a:bodyPr anchor="b">
-            <a:normAutofit/>
+            <a:noAutofit/>
           </a:bodyPr>
           <a:lstStyle>
-            <a:lvl1pPr algn="l">
-              <a:lnSpc>
-                <a:spcPct val="85000"/>
-              </a:lnSpc>
-              <a:defRPr sz="8000" spc="-50" baseline="0">
+            <a:lvl1pPr algn="ctr">
+              <a:defRPr sz="7200" cap="all" baseline="0">
                 <a:solidFill>
-                  <a:schemeClr val="tx1">
-                    <a:lumMod val="85000"/>
-                    <a:lumOff val="15000"/>
-                  </a:schemeClr>
+                  <a:schemeClr val="tx2"/>
                 </a:solidFill>
               </a:defRPr>
             </a:lvl1pPr>
@@ -267,80 +193,97 @@
         </p:nvSpPr>
         <p:spPr>
           <a:xfrm>
-            <a:off x="1100051" y="4455620"/>
-            <a:ext cx="10058400" cy="1143000"/>
-          </a:xfrm>
-        </p:spPr>
-        <p:txBody>
-          <a:bodyPr lIns="91440" rIns="91440">
+            <a:off x="2679906" y="3956279"/>
+            <a:ext cx="6831673" cy="1086237"/>
+          </a:xfrm>
+        </p:spPr>
+        <p:txBody>
+          <a:bodyPr>
             <a:normAutofit/>
           </a:bodyPr>
           <a:lstStyle>
-            <a:lvl1pPr marL="0" indent="0" algn="l">
-              <a:buNone/>
-              <a:defRPr sz="2400" cap="all" spc="200" baseline="0">
+            <a:lvl1pPr marL="0" indent="0" algn="ctr">
+              <a:lnSpc>
+                <a:spcPct val="112000"/>
+              </a:lnSpc>
+              <a:spcBef>
+                <a:spcPts val="0"/>
+              </a:spcBef>
+              <a:spcAft>
+                <a:spcPts val="0"/>
+              </a:spcAft>
+              <a:buNone/>
+              <a:defRPr sz="2300"/>
+            </a:lvl1pPr>
+            <a:lvl2pPr marL="457200" indent="0" algn="ctr">
+              <a:buNone/>
+              <a:defRPr sz="2000"/>
+            </a:lvl2pPr>
+            <a:lvl3pPr marL="914400" indent="0" algn="ctr">
+              <a:buNone/>
+              <a:defRPr sz="1800"/>
+            </a:lvl3pPr>
+            <a:lvl4pPr marL="1371600" indent="0" algn="ctr">
+              <a:buNone/>
+              <a:defRPr sz="1600"/>
+            </a:lvl4pPr>
+            <a:lvl5pPr marL="1828800" indent="0" algn="ctr">
+              <a:buNone/>
+              <a:defRPr sz="1600"/>
+            </a:lvl5pPr>
+            <a:lvl6pPr marL="2286000" indent="0" algn="ctr">
+              <a:buNone/>
+              <a:defRPr sz="1600"/>
+            </a:lvl6pPr>
+            <a:lvl7pPr marL="2743200" indent="0" algn="ctr">
+              <a:buNone/>
+              <a:defRPr sz="1600"/>
+            </a:lvl7pPr>
+            <a:lvl8pPr marL="3200400" indent="0" algn="ctr">
+              <a:buNone/>
+              <a:defRPr sz="1600"/>
+            </a:lvl8pPr>
+            <a:lvl9pPr marL="3657600" indent="0" algn="ctr">
+              <a:buNone/>
+              <a:defRPr sz="1600"/>
+            </a:lvl9pPr>
+          </a:lstStyle>
+          <a:p>
+            <a:r>
+              <a:rPr lang="hu-HU"/>
+              <a:t>Kattintson ide az alcím mintájának szerkesztéséhez</a:t>
+            </a:r>
+            <a:endParaRPr lang="en-US" dirty="0"/>
+          </a:p>
+        </p:txBody>
+      </p:sp>
+      <p:sp>
+        <p:nvSpPr>
+          <p:cNvPr id="4" name="Date Placeholder 3"/>
+          <p:cNvSpPr>
+            <a:spLocks noGrp="1"/>
+          </p:cNvSpPr>
+          <p:nvPr>
+            <p:ph type="dt" sz="half" idx="10"/>
+          </p:nvPr>
+        </p:nvSpPr>
+        <p:spPr>
+          <a:xfrm>
+            <a:off x="752858" y="6453386"/>
+            <a:ext cx="1607944" cy="404614"/>
+          </a:xfrm>
+        </p:spPr>
+        <p:txBody>
+          <a:bodyPr/>
+          <a:lstStyle>
+            <a:lvl1pPr>
+              <a:defRPr baseline="0">
                 <a:solidFill>
                   <a:schemeClr val="tx2"/>
                 </a:solidFill>
-                <a:latin typeface="+mj-lt"/>
               </a:defRPr>
             </a:lvl1pPr>
-            <a:lvl2pPr marL="457200" indent="0" algn="ctr">
-              <a:buNone/>
-              <a:defRPr sz="2400"/>
-            </a:lvl2pPr>
-            <a:lvl3pPr marL="914400" indent="0" algn="ctr">
-              <a:buNone/>
-              <a:defRPr sz="2400"/>
-            </a:lvl3pPr>
-            <a:lvl4pPr marL="1371600" indent="0" algn="ctr">
-              <a:buNone/>
-              <a:defRPr sz="2000"/>
-            </a:lvl4pPr>
-            <a:lvl5pPr marL="1828800" indent="0" algn="ctr">
-              <a:buNone/>
-              <a:defRPr sz="2000"/>
-            </a:lvl5pPr>
-            <a:lvl6pPr marL="2286000" indent="0" algn="ctr">
-              <a:buNone/>
-              <a:defRPr sz="2000"/>
-            </a:lvl6pPr>
-            <a:lvl7pPr marL="2743200" indent="0" algn="ctr">
-              <a:buNone/>
-              <a:defRPr sz="2000"/>
-            </a:lvl7pPr>
-            <a:lvl8pPr marL="3200400" indent="0" algn="ctr">
-              <a:buNone/>
-              <a:defRPr sz="2000"/>
-            </a:lvl8pPr>
-            <a:lvl9pPr marL="3657600" indent="0" algn="ctr">
-              <a:buNone/>
-              <a:defRPr sz="2000"/>
-            </a:lvl9pPr>
           </a:lstStyle>
-          <a:p>
-            <a:r>
-              <a:rPr lang="hu-HU"/>
-              <a:t>Kattintson ide az alcím mintájának szerkesztéséhez</a:t>
-            </a:r>
-            <a:endParaRPr lang="en-US" dirty="0"/>
-          </a:p>
-        </p:txBody>
-      </p:sp>
-      <p:sp>
-        <p:nvSpPr>
-          <p:cNvPr id="4" name="Date Placeholder 3"/>
-          <p:cNvSpPr>
-            <a:spLocks noGrp="1"/>
-          </p:cNvSpPr>
-          <p:nvPr>
-            <p:ph type="dt" sz="half" idx="10"/>
-          </p:nvPr>
-        </p:nvSpPr>
-        <p:spPr/>
-        <p:txBody>
-          <a:bodyPr/>
-          <a:lstStyle/>
           <a:p>
             <a:fld id="{129950DD-C43F-43A6-A0D6-586CE2C100B3}" type="datetimeFigureOut">
               <a:rPr lang="hu-HU" smtClean="0"/>
@@ -360,10 +303,23 @@
             <p:ph type="ftr" sz="quarter" idx="11"/>
           </p:nvPr>
         </p:nvSpPr>
-        <p:spPr/>
+        <p:spPr>
+          <a:xfrm>
+            <a:off x="2584054" y="6453386"/>
+            <a:ext cx="7023377" cy="404614"/>
+          </a:xfrm>
+        </p:spPr>
         <p:txBody>
           <a:bodyPr/>
-          <a:lstStyle/>
+          <a:lstStyle>
+            <a:lvl1pPr algn="ctr">
+              <a:defRPr baseline="0">
+                <a:solidFill>
+                  <a:schemeClr val="tx2"/>
+                </a:solidFill>
+              </a:defRPr>
+            </a:lvl1pPr>
+          </a:lstStyle>
           <a:p>
             <a:endParaRPr lang="hu-HU"/>
           </a:p>
@@ -379,10 +335,23 @@
             <p:ph type="sldNum" sz="quarter" idx="12"/>
           </p:nvPr>
         </p:nvSpPr>
-        <p:spPr/>
+        <p:spPr>
+          <a:xfrm>
+            <a:off x="9830683" y="6453386"/>
+            <a:ext cx="1596292" cy="404614"/>
+          </a:xfrm>
+        </p:spPr>
         <p:txBody>
           <a:bodyPr/>
-          <a:lstStyle/>
+          <a:lstStyle>
+            <a:lvl1pPr>
+              <a:defRPr baseline="0">
+                <a:solidFill>
+                  <a:schemeClr val="tx2"/>
+                </a:solidFill>
+              </a:defRPr>
+            </a:lvl1pPr>
+          </a:lstStyle>
           <a:p>
             <a:fld id="{9ED9EF6D-EAB9-462E-9614-3F8F3BBE850D}" type="slidenum">
               <a:rPr lang="hu-HU" smtClean="0"/>
@@ -392,53 +361,144 @@
           </a:p>
         </p:txBody>
       </p:sp>
-      <p:cxnSp>
-        <p:nvCxnSpPr>
-          <p:cNvPr id="9" name="Straight Connector 8"/>
-          <p:cNvCxnSpPr/>
+      <p:grpSp>
+        <p:nvGrpSpPr>
+          <p:cNvPr id="7" name="Group 6"/>
+          <p:cNvGrpSpPr/>
           <p:nvPr/>
-        </p:nvCxnSpPr>
-        <p:spPr>
-          <a:xfrm>
-            <a:off x="1207658" y="4343400"/>
-            <a:ext cx="9875520" cy="0"/>
-          </a:xfrm>
-          <a:prstGeom prst="line">
-            <a:avLst/>
-          </a:prstGeom>
-          <a:ln w="6350">
+        </p:nvGrpSpPr>
+        <p:grpSpPr>
+          <a:xfrm>
+            <a:off x="752858" y="744469"/>
+            <a:ext cx="10674117" cy="5349671"/>
+            <a:chOff x="752858" y="744469"/>
+            <a:chExt cx="10674117" cy="5349671"/>
+          </a:xfrm>
+        </p:grpSpPr>
+        <p:sp>
+          <p:nvSpPr>
+            <p:cNvPr id="11" name="Freeform 6"/>
+            <p:cNvSpPr/>
+            <p:nvPr/>
+          </p:nvSpPr>
+          <p:spPr bwMode="auto">
+            <a:xfrm>
+              <a:off x="8151962" y="1685652"/>
+              <a:ext cx="3275013" cy="4408488"/>
+            </a:xfrm>
+            <a:custGeom>
+              <a:avLst/>
+              <a:gdLst/>
+              <a:ahLst/>
+              <a:cxnLst/>
+              <a:rect l="l" t="t" r="r" b="b"/>
+              <a:pathLst>
+                <a:path w="10000" h="10000">
+                  <a:moveTo>
+                    <a:pt x="8761" y="0"/>
+                  </a:moveTo>
+                  <a:lnTo>
+                    <a:pt x="10000" y="0"/>
+                  </a:lnTo>
+                  <a:lnTo>
+                    <a:pt x="10000" y="10000"/>
+                  </a:lnTo>
+                  <a:lnTo>
+                    <a:pt x="0" y="10000"/>
+                  </a:lnTo>
+                  <a:lnTo>
+                    <a:pt x="0" y="9126"/>
+                  </a:lnTo>
+                  <a:lnTo>
+                    <a:pt x="8761" y="9127"/>
+                  </a:lnTo>
+                  <a:lnTo>
+                    <a:pt x="8761" y="0"/>
+                  </a:lnTo>
+                  <a:close/>
+                </a:path>
+              </a:pathLst>
+            </a:custGeom>
             <a:solidFill>
-              <a:schemeClr val="tx1">
-                <a:lumMod val="50000"/>
-                <a:lumOff val="50000"/>
-              </a:schemeClr>
+              <a:schemeClr val="tx2"/>
             </a:solidFill>
-          </a:ln>
-        </p:spPr>
-        <p:style>
-          <a:lnRef idx="1">
-            <a:schemeClr val="accent1"/>
-          </a:lnRef>
-          <a:fillRef idx="0">
-            <a:schemeClr val="accent1"/>
-          </a:fillRef>
-          <a:effectRef idx="0">
-            <a:schemeClr val="accent1"/>
-          </a:effectRef>
-          <a:fontRef idx="minor">
-            <a:schemeClr val="tx1"/>
-          </a:fontRef>
-        </p:style>
-      </p:cxnSp>
+            <a:ln w="0">
+              <a:noFill/>
+              <a:prstDash val="solid"/>
+              <a:round/>
+              <a:headEnd/>
+              <a:tailEnd/>
+            </a:ln>
+          </p:spPr>
+        </p:sp>
+        <p:sp>
+          <p:nvSpPr>
+            <p:cNvPr id="14" name="Freeform 6"/>
+            <p:cNvSpPr/>
+            <p:nvPr/>
+          </p:nvSpPr>
+          <p:spPr bwMode="auto">
+            <a:xfrm flipH="1" flipV="1">
+              <a:off x="752858" y="744469"/>
+              <a:ext cx="3275668" cy="4408488"/>
+            </a:xfrm>
+            <a:custGeom>
+              <a:avLst/>
+              <a:gdLst/>
+              <a:ahLst/>
+              <a:cxnLst/>
+              <a:rect l="l" t="t" r="r" b="b"/>
+              <a:pathLst>
+                <a:path w="10002" h="10000">
+                  <a:moveTo>
+                    <a:pt x="8763" y="0"/>
+                  </a:moveTo>
+                  <a:lnTo>
+                    <a:pt x="10002" y="0"/>
+                  </a:lnTo>
+                  <a:lnTo>
+                    <a:pt x="10002" y="10000"/>
+                  </a:lnTo>
+                  <a:lnTo>
+                    <a:pt x="2" y="10000"/>
+                  </a:lnTo>
+                  <a:cubicBezTo>
+                    <a:pt x="-2" y="9698"/>
+                    <a:pt x="4" y="9427"/>
+                    <a:pt x="0" y="9125"/>
+                  </a:cubicBezTo>
+                  <a:lnTo>
+                    <a:pt x="8763" y="9128"/>
+                  </a:lnTo>
+                  <a:lnTo>
+                    <a:pt x="8763" y="0"/>
+                  </a:lnTo>
+                  <a:close/>
+                </a:path>
+              </a:pathLst>
+            </a:custGeom>
+            <a:solidFill>
+              <a:schemeClr val="tx2"/>
+            </a:solidFill>
+            <a:ln w="0">
+              <a:noFill/>
+              <a:prstDash val="solid"/>
+              <a:round/>
+              <a:headEnd/>
+              <a:tailEnd/>
+            </a:ln>
+          </p:spPr>
+        </p:sp>
+      </p:grpSp>
     </p:spTree>
     <p:extLst>
       <p:ext uri="{BB962C8B-B14F-4D97-AF65-F5344CB8AC3E}">
-        <p14:creationId xmlns:p14="http://schemas.microsoft.com/office/powerpoint/2010/main" val="25034876"/>
+        <p14:creationId xmlns:p14="http://schemas.microsoft.com/office/powerpoint/2010/main" val="2870517917"/>
       </p:ext>
     </p:extLst>
   </p:cSld>
   <p:clrMapOvr>
-    <a:masterClrMapping/>
+    <a:overrideClrMapping bg1="lt1" tx1="dk1" bg2="lt2" tx2="dk2" accent1="accent1" accent2="accent2" accent3="accent3" accent4="accent4" accent5="accent5" accent6="accent6" hlink="hlink" folHlink="folHlink"/>
   </p:clrMapOvr>
 </p:sldLayout>
 </file>
@@ -493,9 +553,14 @@
             <p:ph type="body" orient="vert" idx="1"/>
           </p:nvPr>
         </p:nvSpPr>
-        <p:spPr/>
-        <p:txBody>
-          <a:bodyPr vert="eaVert" lIns="45720" tIns="0" rIns="45720" bIns="0"/>
+        <p:spPr>
+          <a:xfrm>
+            <a:off x="1371600" y="2295525"/>
+            <a:ext cx="9601200" cy="3571875"/>
+          </a:xfrm>
+        </p:spPr>
+        <p:txBody>
+          <a:bodyPr vert="eaVert"/>
           <a:lstStyle/>
           <a:p>
             <a:pPr lvl="0"/>
@@ -603,7 +668,7 @@
     </p:spTree>
     <p:extLst>
       <p:ext uri="{BB962C8B-B14F-4D97-AF65-F5344CB8AC3E}">
-        <p14:creationId xmlns:p14="http://schemas.microsoft.com/office/powerpoint/2010/main" val="690220976"/>
+        <p14:creationId xmlns:p14="http://schemas.microsoft.com/office/powerpoint/2010/main" val="50262368"/>
       </p:ext>
     </p:extLst>
   </p:cSld>
@@ -614,7 +679,7 @@
 </file>
 
 <file path=ppt/slideLayouts/slideLayout11.xml><?xml version="1.0" encoding="utf-8"?>
-<p:sldLayout xmlns:a="http://schemas.openxmlformats.org/drawingml/2006/main" xmlns:r="http://schemas.openxmlformats.org/officeDocument/2006/relationships" xmlns:p="http://schemas.openxmlformats.org/presentationml/2006/main" showMasterSp="0" type="vertTitleAndTx" preserve="1">
+<p:sldLayout xmlns:a="http://schemas.openxmlformats.org/drawingml/2006/main" xmlns:r="http://schemas.openxmlformats.org/officeDocument/2006/relationships" xmlns:p="http://schemas.openxmlformats.org/presentationml/2006/main" type="vertTitleAndTx" preserve="1">
   <p:cSld name="Függőleges cím és szöveg">
     <p:spTree>
       <p:nvGrpSpPr>
@@ -632,82 +697,6 @@
       </p:grpSpPr>
       <p:sp>
         <p:nvSpPr>
-          <p:cNvPr id="7" name="Rectangle 6"/>
-          <p:cNvSpPr/>
-          <p:nvPr/>
-        </p:nvSpPr>
-        <p:spPr>
-          <a:xfrm>
-            <a:off x="3175" y="6400800"/>
-            <a:ext cx="12188825" cy="457200"/>
-          </a:xfrm>
-          <a:prstGeom prst="rect">
-            <a:avLst/>
-          </a:prstGeom>
-          <a:solidFill>
-            <a:schemeClr val="accent2"/>
-          </a:solidFill>
-          <a:ln>
-            <a:noFill/>
-          </a:ln>
-        </p:spPr>
-        <p:style>
-          <a:lnRef idx="2">
-            <a:schemeClr val="accent1">
-              <a:shade val="50000"/>
-            </a:schemeClr>
-          </a:lnRef>
-          <a:fillRef idx="1">
-            <a:schemeClr val="accent1"/>
-          </a:fillRef>
-          <a:effectRef idx="0">
-            <a:schemeClr val="accent1"/>
-          </a:effectRef>
-          <a:fontRef idx="minor">
-            <a:schemeClr val="lt1"/>
-          </a:fontRef>
-        </p:style>
-      </p:sp>
-      <p:sp>
-        <p:nvSpPr>
-          <p:cNvPr id="8" name="Rectangle 7"/>
-          <p:cNvSpPr/>
-          <p:nvPr/>
-        </p:nvSpPr>
-        <p:spPr>
-          <a:xfrm>
-            <a:off x="15" y="6334316"/>
-            <a:ext cx="12188825" cy="64008"/>
-          </a:xfrm>
-          <a:prstGeom prst="rect">
-            <a:avLst/>
-          </a:prstGeom>
-          <a:solidFill>
-            <a:schemeClr val="accent1"/>
-          </a:solidFill>
-          <a:ln>
-            <a:noFill/>
-          </a:ln>
-        </p:spPr>
-        <p:style>
-          <a:lnRef idx="2">
-            <a:schemeClr val="accent1">
-              <a:shade val="50000"/>
-            </a:schemeClr>
-          </a:lnRef>
-          <a:fillRef idx="1">
-            <a:schemeClr val="accent1"/>
-          </a:fillRef>
-          <a:effectRef idx="0">
-            <a:schemeClr val="accent1"/>
-          </a:effectRef>
-          <a:fontRef idx="minor">
-            <a:schemeClr val="lt1"/>
-          </a:fontRef>
-        </p:style>
-      </p:sp>
-      <p:sp>
-        <p:nvSpPr>
           <p:cNvPr id="2" name="Vertical Title 1"/>
           <p:cNvSpPr>
             <a:spLocks noGrp="1"/>
@@ -718,8 +707,8 @@
         </p:nvSpPr>
         <p:spPr>
           <a:xfrm>
-            <a:off x="8724900" y="414778"/>
-            <a:ext cx="2628900" cy="5757421"/>
+            <a:off x="9596561" y="624156"/>
+            <a:ext cx="1565766" cy="5243244"/>
           </a:xfrm>
         </p:spPr>
         <p:txBody>
@@ -746,12 +735,12 @@
         </p:nvSpPr>
         <p:spPr>
           <a:xfrm>
-            <a:off x="838200" y="414778"/>
-            <a:ext cx="7734300" cy="5757422"/>
-          </a:xfrm>
-        </p:spPr>
-        <p:txBody>
-          <a:bodyPr vert="eaVert" lIns="45720" tIns="0" rIns="45720" bIns="0"/>
+            <a:off x="1371600" y="624156"/>
+            <a:ext cx="8179641" cy="5243244"/>
+          </a:xfrm>
+        </p:spPr>
+        <p:txBody>
+          <a:bodyPr vert="eaVert"/>
           <a:lstStyle/>
           <a:p>
             <a:pPr lvl="0"/>
@@ -859,7 +848,7 @@
     </p:spTree>
     <p:extLst>
       <p:ext uri="{BB962C8B-B14F-4D97-AF65-F5344CB8AC3E}">
-        <p14:creationId xmlns:p14="http://schemas.microsoft.com/office/powerpoint/2010/main" val="1511961756"/>
+        <p14:creationId xmlns:p14="http://schemas.microsoft.com/office/powerpoint/2010/main" val="3854021796"/>
       </p:ext>
     </p:extLst>
   </p:cSld>
@@ -899,11 +888,7 @@
         <p:spPr/>
         <p:txBody>
           <a:bodyPr/>
-          <a:lstStyle>
-            <a:lvl1pPr marL="0">
-              <a:defRPr/>
-            </a:lvl1pPr>
-          </a:lstStyle>
+          <a:lstStyle/>
           <a:p>
             <a:r>
               <a:rPr lang="hu-HU"/>
@@ -1033,7 +1018,7 @@
     </p:spTree>
     <p:extLst>
       <p:ext uri="{BB962C8B-B14F-4D97-AF65-F5344CB8AC3E}">
-        <p14:creationId xmlns:p14="http://schemas.microsoft.com/office/powerpoint/2010/main" val="2476283989"/>
+        <p14:creationId xmlns:p14="http://schemas.microsoft.com/office/powerpoint/2010/main" val="3375179402"/>
       </p:ext>
     </p:extLst>
   </p:cSld>
@@ -1047,12 +1032,9 @@
 <p:sldLayout xmlns:a="http://schemas.openxmlformats.org/drawingml/2006/main" xmlns:r="http://schemas.openxmlformats.org/officeDocument/2006/relationships" xmlns:p="http://schemas.openxmlformats.org/presentationml/2006/main" showMasterSp="0" type="secHead" preserve="1">
   <p:cSld name="Szakaszfejléc">
     <p:bg>
-      <p:bgPr>
-        <a:solidFill>
-          <a:schemeClr val="bg1"/>
-        </a:solidFill>
-        <a:effectLst/>
-      </p:bgPr>
+      <p:bgRef idx="1001">
+        <a:schemeClr val="bg2"/>
+      </p:bgRef>
     </p:bg>
     <p:spTree>
       <p:nvGrpSpPr>
@@ -1070,82 +1052,6 @@
       </p:grpSpPr>
       <p:sp>
         <p:nvSpPr>
-          <p:cNvPr id="7" name="Rectangle 6"/>
-          <p:cNvSpPr/>
-          <p:nvPr/>
-        </p:nvSpPr>
-        <p:spPr>
-          <a:xfrm>
-            <a:off x="3175" y="6400800"/>
-            <a:ext cx="12188825" cy="457200"/>
-          </a:xfrm>
-          <a:prstGeom prst="rect">
-            <a:avLst/>
-          </a:prstGeom>
-          <a:solidFill>
-            <a:schemeClr val="accent2"/>
-          </a:solidFill>
-          <a:ln>
-            <a:noFill/>
-          </a:ln>
-        </p:spPr>
-        <p:style>
-          <a:lnRef idx="2">
-            <a:schemeClr val="accent1">
-              <a:shade val="50000"/>
-            </a:schemeClr>
-          </a:lnRef>
-          <a:fillRef idx="1">
-            <a:schemeClr val="accent1"/>
-          </a:fillRef>
-          <a:effectRef idx="0">
-            <a:schemeClr val="accent1"/>
-          </a:effectRef>
-          <a:fontRef idx="minor">
-            <a:schemeClr val="lt1"/>
-          </a:fontRef>
-        </p:style>
-      </p:sp>
-      <p:sp>
-        <p:nvSpPr>
-          <p:cNvPr id="8" name="Rectangle 7"/>
-          <p:cNvSpPr/>
-          <p:nvPr/>
-        </p:nvSpPr>
-        <p:spPr>
-          <a:xfrm>
-            <a:off x="15" y="6334316"/>
-            <a:ext cx="12188825" cy="64008"/>
-          </a:xfrm>
-          <a:prstGeom prst="rect">
-            <a:avLst/>
-          </a:prstGeom>
-          <a:solidFill>
-            <a:schemeClr val="accent1"/>
-          </a:solidFill>
-          <a:ln>
-            <a:noFill/>
-          </a:ln>
-        </p:spPr>
-        <p:style>
-          <a:lnRef idx="2">
-            <a:schemeClr val="accent1">
-              <a:shade val="50000"/>
-            </a:schemeClr>
-          </a:lnRef>
-          <a:fillRef idx="1">
-            <a:schemeClr val="accent1"/>
-          </a:fillRef>
-          <a:effectRef idx="0">
-            <a:schemeClr val="accent1"/>
-          </a:effectRef>
-          <a:fontRef idx="minor">
-            <a:schemeClr val="lt1"/>
-          </a:fontRef>
-        </p:style>
-      </p:sp>
-      <p:sp>
-        <p:nvSpPr>
           <p:cNvPr id="2" name="Title 1"/>
           <p:cNvSpPr>
             <a:spLocks noGrp="1"/>
@@ -1156,25 +1062,19 @@
         </p:nvSpPr>
         <p:spPr>
           <a:xfrm>
-            <a:off x="1097280" y="758952"/>
-            <a:ext cx="10058400" cy="3566160"/>
-          </a:xfrm>
-        </p:spPr>
-        <p:txBody>
-          <a:bodyPr anchor="b" anchorCtr="0">
+            <a:off x="765025" y="1301360"/>
+            <a:ext cx="9612971" cy="2852737"/>
+          </a:xfrm>
+        </p:spPr>
+        <p:txBody>
+          <a:bodyPr anchor="b">
             <a:normAutofit/>
           </a:bodyPr>
           <a:lstStyle>
-            <a:lvl1pPr>
-              <a:lnSpc>
-                <a:spcPct val="85000"/>
-              </a:lnSpc>
-              <a:defRPr sz="8000" b="0">
+            <a:lvl1pPr algn="r">
+              <a:defRPr sz="7200" cap="all" baseline="0">
                 <a:solidFill>
-                  <a:schemeClr val="tx1">
-                    <a:lumMod val="85000"/>
-                    <a:lumOff val="15000"/>
-                  </a:schemeClr>
+                  <a:schemeClr val="tx2"/>
                 </a:solidFill>
               </a:defRPr>
             </a:lvl1pPr>
@@ -1200,27 +1100,33 @@
         </p:nvSpPr>
         <p:spPr>
           <a:xfrm>
-            <a:off x="1097280" y="4453128"/>
-            <a:ext cx="10058400" cy="1143000"/>
-          </a:xfrm>
-        </p:spPr>
-        <p:txBody>
-          <a:bodyPr lIns="91440" rIns="91440" anchor="t" anchorCtr="0">
-            <a:normAutofit/>
-          </a:bodyPr>
+            <a:off x="765025" y="4216328"/>
+            <a:ext cx="9612971" cy="1143324"/>
+          </a:xfrm>
+        </p:spPr>
+        <p:txBody>
+          <a:bodyPr/>
           <a:lstStyle>
-            <a:lvl1pPr marL="0" indent="0">
-              <a:buNone/>
-              <a:defRPr sz="2400" cap="all" spc="200" baseline="0">
+            <a:lvl1pPr marL="0" indent="0" algn="r">
+              <a:lnSpc>
+                <a:spcPct val="112000"/>
+              </a:lnSpc>
+              <a:spcBef>
+                <a:spcPts val="0"/>
+              </a:spcBef>
+              <a:spcAft>
+                <a:spcPts val="0"/>
+              </a:spcAft>
+              <a:buNone/>
+              <a:defRPr sz="2400">
                 <a:solidFill>
                   <a:schemeClr val="tx2"/>
                 </a:solidFill>
-                <a:latin typeface="+mj-lt"/>
               </a:defRPr>
             </a:lvl1pPr>
             <a:lvl2pPr marL="457200" indent="0">
               <a:buNone/>
-              <a:defRPr sz="1800">
+              <a:defRPr sz="2000">
                 <a:solidFill>
                   <a:schemeClr val="tx1">
                     <a:tint val="75000"/>
@@ -1230,7 +1136,7 @@
             </a:lvl2pPr>
             <a:lvl3pPr marL="914400" indent="0">
               <a:buNone/>
-              <a:defRPr sz="1600">
+              <a:defRPr sz="1800">
                 <a:solidFill>
                   <a:schemeClr val="tx1">
                     <a:tint val="75000"/>
@@ -1240,7 +1146,7 @@
             </a:lvl3pPr>
             <a:lvl4pPr marL="1371600" indent="0">
               <a:buNone/>
-              <a:defRPr sz="1400">
+              <a:defRPr sz="1600">
                 <a:solidFill>
                   <a:schemeClr val="tx1">
                     <a:tint val="75000"/>
@@ -1250,7 +1156,7 @@
             </a:lvl4pPr>
             <a:lvl5pPr marL="1828800" indent="0">
               <a:buNone/>
-              <a:defRPr sz="1400">
+              <a:defRPr sz="1600">
                 <a:solidFill>
                   <a:schemeClr val="tx1">
                     <a:tint val="75000"/>
@@ -1260,7 +1166,7 @@
             </a:lvl5pPr>
             <a:lvl6pPr marL="2286000" indent="0">
               <a:buNone/>
-              <a:defRPr sz="1400">
+              <a:defRPr sz="1600">
                 <a:solidFill>
                   <a:schemeClr val="tx1">
                     <a:tint val="75000"/>
@@ -1270,7 +1176,7 @@
             </a:lvl6pPr>
             <a:lvl7pPr marL="2743200" indent="0">
               <a:buNone/>
-              <a:defRPr sz="1400">
+              <a:defRPr sz="1600">
                 <a:solidFill>
                   <a:schemeClr val="tx1">
                     <a:tint val="75000"/>
@@ -1280,7 +1186,7 @@
             </a:lvl7pPr>
             <a:lvl8pPr marL="3200400" indent="0">
               <a:buNone/>
-              <a:defRPr sz="1400">
+              <a:defRPr sz="1600">
                 <a:solidFill>
                   <a:schemeClr val="tx1">
                     <a:tint val="75000"/>
@@ -1290,7 +1196,7 @@
             </a:lvl8pPr>
             <a:lvl9pPr marL="3657600" indent="0">
               <a:buNone/>
-              <a:defRPr sz="1400">
+              <a:defRPr sz="1600">
                 <a:solidFill>
                   <a:schemeClr val="tx1">
                     <a:tint val="75000"/>
@@ -1318,10 +1224,23 @@
             <p:ph type="dt" sz="half" idx="10"/>
           </p:nvPr>
         </p:nvSpPr>
-        <p:spPr/>
+        <p:spPr>
+          <a:xfrm>
+            <a:off x="738908" y="6453386"/>
+            <a:ext cx="1622409" cy="404614"/>
+          </a:xfrm>
+        </p:spPr>
         <p:txBody>
           <a:bodyPr/>
-          <a:lstStyle/>
+          <a:lstStyle>
+            <a:lvl1pPr>
+              <a:defRPr>
+                <a:solidFill>
+                  <a:schemeClr val="tx2"/>
+                </a:solidFill>
+              </a:defRPr>
+            </a:lvl1pPr>
+          </a:lstStyle>
           <a:p>
             <a:fld id="{129950DD-C43F-43A6-A0D6-586CE2C100B3}" type="datetimeFigureOut">
               <a:rPr lang="hu-HU" smtClean="0"/>
@@ -1341,10 +1260,23 @@
             <p:ph type="ftr" sz="quarter" idx="11"/>
           </p:nvPr>
         </p:nvSpPr>
-        <p:spPr/>
+        <p:spPr>
+          <a:xfrm>
+            <a:off x="2584312" y="6453386"/>
+            <a:ext cx="7023377" cy="404614"/>
+          </a:xfrm>
+        </p:spPr>
         <p:txBody>
           <a:bodyPr/>
-          <a:lstStyle/>
+          <a:lstStyle>
+            <a:lvl1pPr algn="ctr">
+              <a:defRPr>
+                <a:solidFill>
+                  <a:schemeClr val="tx2"/>
+                </a:solidFill>
+              </a:defRPr>
+            </a:lvl1pPr>
+          </a:lstStyle>
           <a:p>
             <a:endParaRPr lang="hu-HU"/>
           </a:p>
@@ -1360,10 +1292,23 @@
             <p:ph type="sldNum" sz="quarter" idx="12"/>
           </p:nvPr>
         </p:nvSpPr>
-        <p:spPr/>
+        <p:spPr>
+          <a:xfrm>
+            <a:off x="9830683" y="6453386"/>
+            <a:ext cx="1596292" cy="404614"/>
+          </a:xfrm>
+        </p:spPr>
         <p:txBody>
           <a:bodyPr/>
-          <a:lstStyle/>
+          <a:lstStyle>
+            <a:lvl1pPr>
+              <a:defRPr>
+                <a:solidFill>
+                  <a:schemeClr val="tx2"/>
+                </a:solidFill>
+              </a:defRPr>
+            </a:lvl1pPr>
+          </a:lstStyle>
           <a:p>
             <a:fld id="{9ED9EF6D-EAB9-462E-9614-3F8F3BBE850D}" type="slidenum">
               <a:rPr lang="hu-HU" smtClean="0"/>
@@ -1373,53 +1318,71 @@
           </a:p>
         </p:txBody>
       </p:sp>
-      <p:cxnSp>
-        <p:nvCxnSpPr>
-          <p:cNvPr id="9" name="Straight Connector 8"/>
-          <p:cNvCxnSpPr/>
+      <p:sp>
+        <p:nvSpPr>
+          <p:cNvPr id="7" name="Freeform 6" title="Crop Mark"/>
+          <p:cNvSpPr/>
           <p:nvPr/>
-        </p:nvCxnSpPr>
-        <p:spPr>
-          <a:xfrm>
-            <a:off x="1207658" y="4343400"/>
-            <a:ext cx="9875520" cy="0"/>
-          </a:xfrm>
-          <a:prstGeom prst="line">
+        </p:nvSpPr>
+        <p:spPr bwMode="auto">
+          <a:xfrm>
+            <a:off x="8151962" y="1685652"/>
+            <a:ext cx="3275013" cy="4408488"/>
+          </a:xfrm>
+          <a:custGeom>
             <a:avLst/>
-          </a:prstGeom>
-          <a:ln w="6350">
-            <a:solidFill>
-              <a:schemeClr val="tx1">
-                <a:lumMod val="50000"/>
-                <a:lumOff val="50000"/>
-              </a:schemeClr>
-            </a:solidFill>
+            <a:gdLst/>
+            <a:ahLst/>
+            <a:cxnLst/>
+            <a:rect l="0" t="0" r="r" b="b"/>
+            <a:pathLst>
+              <a:path w="4125" h="5554">
+                <a:moveTo>
+                  <a:pt x="3614" y="0"/>
+                </a:moveTo>
+                <a:lnTo>
+                  <a:pt x="4125" y="0"/>
+                </a:lnTo>
+                <a:lnTo>
+                  <a:pt x="4125" y="5554"/>
+                </a:lnTo>
+                <a:lnTo>
+                  <a:pt x="0" y="5554"/>
+                </a:lnTo>
+                <a:lnTo>
+                  <a:pt x="0" y="5074"/>
+                </a:lnTo>
+                <a:lnTo>
+                  <a:pt x="3614" y="5074"/>
+                </a:lnTo>
+                <a:lnTo>
+                  <a:pt x="3614" y="0"/>
+                </a:lnTo>
+                <a:close/>
+              </a:path>
+            </a:pathLst>
+          </a:custGeom>
+          <a:solidFill>
+            <a:schemeClr val="tx2"/>
+          </a:solidFill>
+          <a:ln w="0">
+            <a:noFill/>
+            <a:prstDash val="solid"/>
+            <a:round/>
+            <a:headEnd/>
+            <a:tailEnd/>
           </a:ln>
         </p:spPr>
-        <p:style>
-          <a:lnRef idx="1">
-            <a:schemeClr val="accent1"/>
-          </a:lnRef>
-          <a:fillRef idx="0">
-            <a:schemeClr val="accent1"/>
-          </a:fillRef>
-          <a:effectRef idx="0">
-            <a:schemeClr val="accent1"/>
-          </a:effectRef>
-          <a:fontRef idx="minor">
-            <a:schemeClr val="tx1"/>
-          </a:fontRef>
-        </p:style>
-      </p:cxnSp>
+      </p:sp>
     </p:spTree>
     <p:extLst>
       <p:ext uri="{BB962C8B-B14F-4D97-AF65-F5344CB8AC3E}">
-        <p14:creationId xmlns:p14="http://schemas.microsoft.com/office/powerpoint/2010/main" val="2117128428"/>
+        <p14:creationId xmlns:p14="http://schemas.microsoft.com/office/powerpoint/2010/main" val="1147897320"/>
       </p:ext>
     </p:extLst>
   </p:cSld>
   <p:clrMapOvr>
-    <a:masterClrMapping/>
+    <a:overrideClrMapping bg1="dk1" tx1="lt1" bg2="dk2" tx2="lt2" accent1="accent1" accent2="accent2" accent3="accent3" accent4="accent4" accent5="accent5" accent6="accent6" hlink="hlink" folHlink="folHlink"/>
   </p:clrMapOvr>
 </p:sldLayout>
 </file>
@@ -1443,7 +1406,7 @@
       </p:grpSpPr>
       <p:sp>
         <p:nvSpPr>
-          <p:cNvPr id="8" name="Title 7"/>
+          <p:cNvPr id="2" name="Title 1"/>
           <p:cNvSpPr>
             <a:spLocks noGrp="1"/>
           </p:cNvSpPr>
@@ -1451,15 +1414,18 @@
             <p:ph type="title"/>
           </p:nvPr>
         </p:nvSpPr>
-        <p:spPr>
-          <a:xfrm>
-            <a:off x="1097280" y="286603"/>
-            <a:ext cx="10058400" cy="1450757"/>
-          </a:xfrm>
-        </p:spPr>
+        <p:spPr/>
         <p:txBody>
           <a:bodyPr/>
-          <a:lstStyle/>
+          <a:lstStyle>
+            <a:lvl1pPr>
+              <a:defRPr>
+                <a:solidFill>
+                  <a:schemeClr val="tx2"/>
+                </a:solidFill>
+              </a:defRPr>
+            </a:lvl1pPr>
+          </a:lstStyle>
           <a:p>
             <a:r>
               <a:rPr lang="hu-HU"/>
@@ -1481,13 +1447,49 @@
         </p:nvSpPr>
         <p:spPr>
           <a:xfrm>
-            <a:off x="1097279" y="1845734"/>
-            <a:ext cx="4937760" cy="4023360"/>
+            <a:off x="1371600" y="2285999"/>
+            <a:ext cx="4447786" cy="3581401"/>
           </a:xfrm>
         </p:spPr>
         <p:txBody>
           <a:bodyPr/>
-          <a:lstStyle/>
+          <a:lstStyle>
+            <a:lvl1pPr>
+              <a:defRPr baseline="0">
+                <a:solidFill>
+                  <a:schemeClr val="tx2"/>
+                </a:solidFill>
+              </a:defRPr>
+            </a:lvl1pPr>
+            <a:lvl2pPr>
+              <a:defRPr baseline="0">
+                <a:solidFill>
+                  <a:schemeClr val="tx2"/>
+                </a:solidFill>
+              </a:defRPr>
+            </a:lvl2pPr>
+            <a:lvl3pPr>
+              <a:defRPr baseline="0">
+                <a:solidFill>
+                  <a:schemeClr val="tx2"/>
+                </a:solidFill>
+              </a:defRPr>
+            </a:lvl3pPr>
+            <a:lvl4pPr>
+              <a:defRPr baseline="0">
+                <a:solidFill>
+                  <a:schemeClr val="tx2"/>
+                </a:solidFill>
+              </a:defRPr>
+            </a:lvl4pPr>
+            <a:lvl5pPr>
+              <a:defRPr baseline="0">
+                <a:solidFill>
+                  <a:schemeClr val="tx2"/>
+                </a:solidFill>
+              </a:defRPr>
+            </a:lvl5pPr>
+          </a:lstStyle>
           <a:p>
             <a:pPr lvl="0"/>
             <a:r>
@@ -1538,13 +1540,49 @@
         </p:nvSpPr>
         <p:spPr>
           <a:xfrm>
-            <a:off x="6217920" y="1845735"/>
-            <a:ext cx="4937760" cy="4023360"/>
+            <a:off x="6525403" y="2285999"/>
+            <a:ext cx="4447786" cy="3581401"/>
           </a:xfrm>
         </p:spPr>
         <p:txBody>
           <a:bodyPr/>
-          <a:lstStyle/>
+          <a:lstStyle>
+            <a:lvl1pPr>
+              <a:defRPr>
+                <a:solidFill>
+                  <a:schemeClr val="tx2"/>
+                </a:solidFill>
+              </a:defRPr>
+            </a:lvl1pPr>
+            <a:lvl2pPr>
+              <a:defRPr>
+                <a:solidFill>
+                  <a:schemeClr val="tx2"/>
+                </a:solidFill>
+              </a:defRPr>
+            </a:lvl2pPr>
+            <a:lvl3pPr>
+              <a:defRPr>
+                <a:solidFill>
+                  <a:schemeClr val="tx2"/>
+                </a:solidFill>
+              </a:defRPr>
+            </a:lvl3pPr>
+            <a:lvl4pPr>
+              <a:defRPr>
+                <a:solidFill>
+                  <a:schemeClr val="tx2"/>
+                </a:solidFill>
+              </a:defRPr>
+            </a:lvl4pPr>
+            <a:lvl5pPr>
+              <a:defRPr>
+                <a:solidFill>
+                  <a:schemeClr val="tx2"/>
+                </a:solidFill>
+              </a:defRPr>
+            </a:lvl5pPr>
+          </a:lstStyle>
           <a:p>
             <a:pPr lvl="0"/>
             <a:r>
@@ -1651,7 +1689,7 @@
     </p:spTree>
     <p:extLst>
       <p:ext uri="{BB962C8B-B14F-4D97-AF65-F5344CB8AC3E}">
-        <p14:creationId xmlns:p14="http://schemas.microsoft.com/office/powerpoint/2010/main" val="2494612675"/>
+        <p14:creationId xmlns:p14="http://schemas.microsoft.com/office/powerpoint/2010/main" val="2613707740"/>
       </p:ext>
     </p:extLst>
   </p:cSld>
@@ -1680,7 +1718,7 @@
       </p:grpSpPr>
       <p:sp>
         <p:nvSpPr>
-          <p:cNvPr id="10" name="Title 9"/>
+          <p:cNvPr id="2" name="Title 1"/>
           <p:cNvSpPr>
             <a:spLocks noGrp="1"/>
           </p:cNvSpPr>
@@ -1690,13 +1728,21 @@
         </p:nvSpPr>
         <p:spPr>
           <a:xfrm>
-            <a:off x="1097280" y="286603"/>
-            <a:ext cx="10058400" cy="1450757"/>
+            <a:off x="1371600" y="685800"/>
+            <a:ext cx="9601200" cy="1485900"/>
           </a:xfrm>
         </p:spPr>
         <p:txBody>
           <a:bodyPr/>
-          <a:lstStyle/>
+          <a:lstStyle>
+            <a:lvl1pPr>
+              <a:defRPr>
+                <a:solidFill>
+                  <a:schemeClr val="tx2"/>
+                </a:solidFill>
+              </a:defRPr>
+            </a:lvl1pPr>
+          </a:lstStyle>
           <a:p>
             <a:r>
               <a:rPr lang="hu-HU"/>
@@ -1718,18 +1764,27 @@
         </p:nvSpPr>
         <p:spPr>
           <a:xfrm>
-            <a:off x="1097280" y="1846052"/>
-            <a:ext cx="4937760" cy="736282"/>
-          </a:xfrm>
-        </p:spPr>
-        <p:txBody>
-          <a:bodyPr lIns="91440" rIns="91440" anchor="ctr">
-            <a:normAutofit/>
+            <a:off x="1371600" y="2340864"/>
+            <a:ext cx="4443984" cy="823912"/>
+          </a:xfrm>
+        </p:spPr>
+        <p:txBody>
+          <a:bodyPr anchor="b">
+            <a:noAutofit/>
           </a:bodyPr>
           <a:lstStyle>
             <a:lvl1pPr marL="0" indent="0">
-              <a:buNone/>
-              <a:defRPr sz="2000" b="0" cap="all" baseline="0">
+              <a:lnSpc>
+                <a:spcPct val="84000"/>
+              </a:lnSpc>
+              <a:spcBef>
+                <a:spcPts val="0"/>
+              </a:spcBef>
+              <a:spcAft>
+                <a:spcPts val="0"/>
+              </a:spcAft>
+              <a:buNone/>
+              <a:defRPr sz="3000" b="0" baseline="0">
                 <a:solidFill>
                   <a:schemeClr val="tx2"/>
                 </a:solidFill>
@@ -1789,13 +1844,49 @@
         </p:nvSpPr>
         <p:spPr>
           <a:xfrm>
-            <a:off x="1097280" y="2582334"/>
-            <a:ext cx="4937760" cy="3378200"/>
+            <a:off x="1371600" y="3305207"/>
+            <a:ext cx="4443984" cy="2562193"/>
           </a:xfrm>
         </p:spPr>
         <p:txBody>
           <a:bodyPr/>
-          <a:lstStyle/>
+          <a:lstStyle>
+            <a:lvl1pPr>
+              <a:defRPr baseline="0">
+                <a:solidFill>
+                  <a:schemeClr val="tx2"/>
+                </a:solidFill>
+              </a:defRPr>
+            </a:lvl1pPr>
+            <a:lvl2pPr>
+              <a:defRPr baseline="0">
+                <a:solidFill>
+                  <a:schemeClr val="tx2"/>
+                </a:solidFill>
+              </a:defRPr>
+            </a:lvl2pPr>
+            <a:lvl3pPr>
+              <a:defRPr baseline="0">
+                <a:solidFill>
+                  <a:schemeClr val="tx2"/>
+                </a:solidFill>
+              </a:defRPr>
+            </a:lvl3pPr>
+            <a:lvl4pPr>
+              <a:defRPr baseline="0">
+                <a:solidFill>
+                  <a:schemeClr val="tx2"/>
+                </a:solidFill>
+              </a:defRPr>
+            </a:lvl4pPr>
+            <a:lvl5pPr>
+              <a:defRPr baseline="0">
+                <a:solidFill>
+                  <a:schemeClr val="tx2"/>
+                </a:solidFill>
+              </a:defRPr>
+            </a:lvl5pPr>
+          </a:lstStyle>
           <a:p>
             <a:pPr lvl="0"/>
             <a:r>
@@ -1846,18 +1937,27 @@
         </p:nvSpPr>
         <p:spPr>
           <a:xfrm>
-            <a:off x="6217920" y="1846052"/>
-            <a:ext cx="4937760" cy="736282"/>
-          </a:xfrm>
-        </p:spPr>
-        <p:txBody>
-          <a:bodyPr lIns="91440" rIns="91440" anchor="ctr">
-            <a:normAutofit/>
+            <a:off x="6525014" y="2340864"/>
+            <a:ext cx="4443984" cy="823912"/>
+          </a:xfrm>
+        </p:spPr>
+        <p:txBody>
+          <a:bodyPr anchor="b">
+            <a:noAutofit/>
           </a:bodyPr>
           <a:lstStyle>
             <a:lvl1pPr marL="0" indent="0">
-              <a:buNone/>
-              <a:defRPr sz="2000" b="0" cap="all" baseline="0">
+              <a:lnSpc>
+                <a:spcPct val="84000"/>
+              </a:lnSpc>
+              <a:spcBef>
+                <a:spcPts val="0"/>
+              </a:spcBef>
+              <a:spcAft>
+                <a:spcPts val="0"/>
+              </a:spcAft>
+              <a:buNone/>
+              <a:defRPr sz="3000" b="0" baseline="0">
                 <a:solidFill>
                   <a:schemeClr val="tx2"/>
                 </a:solidFill>
@@ -1917,13 +2017,49 @@
         </p:nvSpPr>
         <p:spPr>
           <a:xfrm>
-            <a:off x="6217920" y="2582334"/>
-            <a:ext cx="4937760" cy="3378200"/>
+            <a:off x="6525014" y="3305207"/>
+            <a:ext cx="4443984" cy="2562193"/>
           </a:xfrm>
         </p:spPr>
         <p:txBody>
           <a:bodyPr/>
-          <a:lstStyle/>
+          <a:lstStyle>
+            <a:lvl1pPr>
+              <a:defRPr baseline="0">
+                <a:solidFill>
+                  <a:schemeClr val="tx2"/>
+                </a:solidFill>
+              </a:defRPr>
+            </a:lvl1pPr>
+            <a:lvl2pPr>
+              <a:defRPr baseline="0">
+                <a:solidFill>
+                  <a:schemeClr val="tx2"/>
+                </a:solidFill>
+              </a:defRPr>
+            </a:lvl2pPr>
+            <a:lvl3pPr>
+              <a:defRPr baseline="0">
+                <a:solidFill>
+                  <a:schemeClr val="tx2"/>
+                </a:solidFill>
+              </a:defRPr>
+            </a:lvl3pPr>
+            <a:lvl4pPr>
+              <a:defRPr baseline="0">
+                <a:solidFill>
+                  <a:schemeClr val="tx2"/>
+                </a:solidFill>
+              </a:defRPr>
+            </a:lvl4pPr>
+            <a:lvl5pPr>
+              <a:defRPr baseline="0">
+                <a:solidFill>
+                  <a:schemeClr val="tx2"/>
+                </a:solidFill>
+              </a:defRPr>
+            </a:lvl5pPr>
+          </a:lstStyle>
           <a:p>
             <a:pPr lvl="0"/>
             <a:r>
@@ -2030,7 +2166,7 @@
     </p:spTree>
     <p:extLst>
       <p:ext uri="{BB962C8B-B14F-4D97-AF65-F5344CB8AC3E}">
-        <p14:creationId xmlns:p14="http://schemas.microsoft.com/office/powerpoint/2010/main" val="3757438090"/>
+        <p14:creationId xmlns:p14="http://schemas.microsoft.com/office/powerpoint/2010/main" val="3930477516"/>
       </p:ext>
     </p:extLst>
   </p:cSld>
@@ -2148,7 +2284,7 @@
     </p:spTree>
     <p:extLst>
       <p:ext uri="{BB962C8B-B14F-4D97-AF65-F5344CB8AC3E}">
-        <p14:creationId xmlns:p14="http://schemas.microsoft.com/office/powerpoint/2010/main" val="2322295843"/>
+        <p14:creationId xmlns:p14="http://schemas.microsoft.com/office/powerpoint/2010/main" val="3726890922"/>
       </p:ext>
     </p:extLst>
   </p:cSld>
@@ -2159,7 +2295,7 @@
 </file>
 
 <file path=ppt/slideLayouts/slideLayout7.xml><?xml version="1.0" encoding="utf-8"?>
-<p:sldLayout xmlns:a="http://schemas.openxmlformats.org/drawingml/2006/main" xmlns:r="http://schemas.openxmlformats.org/officeDocument/2006/relationships" xmlns:p="http://schemas.openxmlformats.org/presentationml/2006/main" showMasterSp="0" type="blank" preserve="1">
+<p:sldLayout xmlns:a="http://schemas.openxmlformats.org/drawingml/2006/main" xmlns:r="http://schemas.openxmlformats.org/officeDocument/2006/relationships" xmlns:p="http://schemas.openxmlformats.org/presentationml/2006/main" type="blank" preserve="1">
   <p:cSld name="Üres">
     <p:spTree>
       <p:nvGrpSpPr>
@@ -2177,83 +2313,7 @@
       </p:grpSpPr>
       <p:sp>
         <p:nvSpPr>
-          <p:cNvPr id="5" name="Rectangle 4"/>
-          <p:cNvSpPr/>
-          <p:nvPr/>
-        </p:nvSpPr>
-        <p:spPr>
-          <a:xfrm>
-            <a:off x="3175" y="6400800"/>
-            <a:ext cx="12188825" cy="457200"/>
-          </a:xfrm>
-          <a:prstGeom prst="rect">
-            <a:avLst/>
-          </a:prstGeom>
-          <a:solidFill>
-            <a:schemeClr val="accent2"/>
-          </a:solidFill>
-          <a:ln>
-            <a:noFill/>
-          </a:ln>
-        </p:spPr>
-        <p:style>
-          <a:lnRef idx="2">
-            <a:schemeClr val="accent1">
-              <a:shade val="50000"/>
-            </a:schemeClr>
-          </a:lnRef>
-          <a:fillRef idx="1">
-            <a:schemeClr val="accent1"/>
-          </a:fillRef>
-          <a:effectRef idx="0">
-            <a:schemeClr val="accent1"/>
-          </a:effectRef>
-          <a:fontRef idx="minor">
-            <a:schemeClr val="lt1"/>
-          </a:fontRef>
-        </p:style>
-      </p:sp>
-      <p:sp>
-        <p:nvSpPr>
-          <p:cNvPr id="6" name="Rectangle 5"/>
-          <p:cNvSpPr/>
-          <p:nvPr/>
-        </p:nvSpPr>
-        <p:spPr>
-          <a:xfrm>
-            <a:off x="15" y="6334316"/>
-            <a:ext cx="12188825" cy="64008"/>
-          </a:xfrm>
-          <a:prstGeom prst="rect">
-            <a:avLst/>
-          </a:prstGeom>
-          <a:solidFill>
-            <a:schemeClr val="accent1"/>
-          </a:solidFill>
-          <a:ln>
-            <a:noFill/>
-          </a:ln>
-        </p:spPr>
-        <p:style>
-          <a:lnRef idx="2">
-            <a:schemeClr val="accent1">
-              <a:shade val="50000"/>
-            </a:schemeClr>
-          </a:lnRef>
-          <a:fillRef idx="1">
-            <a:schemeClr val="accent1"/>
-          </a:fillRef>
-          <a:effectRef idx="0">
-            <a:schemeClr val="accent1"/>
-          </a:effectRef>
-          <a:fontRef idx="minor">
-            <a:schemeClr val="lt1"/>
-          </a:fontRef>
-        </p:style>
-      </p:sp>
-      <p:sp>
-        <p:nvSpPr>
-          <p:cNvPr id="7" name="Date Placeholder 6"/>
+          <p:cNvPr id="2" name="Date Placeholder 1"/>
           <p:cNvSpPr>
             <a:spLocks noGrp="1"/>
           </p:cNvSpPr>
@@ -2276,7 +2336,7 @@
       </p:sp>
       <p:sp>
         <p:nvSpPr>
-          <p:cNvPr id="8" name="Footer Placeholder 7"/>
+          <p:cNvPr id="3" name="Footer Placeholder 2"/>
           <p:cNvSpPr>
             <a:spLocks noGrp="1"/>
           </p:cNvSpPr>
@@ -2287,15 +2347,7 @@
         <p:spPr/>
         <p:txBody>
           <a:bodyPr/>
-          <a:lstStyle>
-            <a:lvl1pPr>
-              <a:defRPr>
-                <a:solidFill>
-                  <a:srgbClr val="FFFFFF"/>
-                </a:solidFill>
-              </a:defRPr>
-            </a:lvl1pPr>
-          </a:lstStyle>
+          <a:lstStyle/>
           <a:p>
             <a:endParaRPr lang="hu-HU"/>
           </a:p>
@@ -2303,7 +2355,7 @@
       </p:sp>
       <p:sp>
         <p:nvSpPr>
-          <p:cNvPr id="9" name="Slide Number Placeholder 8"/>
+          <p:cNvPr id="4" name="Slide Number Placeholder 3"/>
           <p:cNvSpPr>
             <a:spLocks noGrp="1"/>
           </p:cNvSpPr>
@@ -2327,7 +2379,7 @@
     </p:spTree>
     <p:extLst>
       <p:ext uri="{BB962C8B-B14F-4D97-AF65-F5344CB8AC3E}">
-        <p14:creationId xmlns:p14="http://schemas.microsoft.com/office/powerpoint/2010/main" val="4043850209"/>
+        <p14:creationId xmlns:p14="http://schemas.microsoft.com/office/powerpoint/2010/main" val="2001380754"/>
       </p:ext>
     </p:extLst>
   </p:cSld>
@@ -2356,20 +2408,20 @@
       </p:grpSpPr>
       <p:sp>
         <p:nvSpPr>
-          <p:cNvPr id="8" name="Rectangle 7"/>
+          <p:cNvPr id="8" name="Rectangle 7" title="Background Shape"/>
           <p:cNvSpPr/>
           <p:nvPr/>
         </p:nvSpPr>
         <p:spPr>
           <a:xfrm>
-            <a:off x="16" y="0"/>
-            <a:ext cx="4050791" cy="6858000"/>
+            <a:off x="0" y="376"/>
+            <a:ext cx="5303520" cy="6857624"/>
           </a:xfrm>
           <a:prstGeom prst="rect">
             <a:avLst/>
           </a:prstGeom>
           <a:solidFill>
-            <a:schemeClr val="accent2"/>
+            <a:schemeClr val="accent1"/>
           </a:solidFill>
           <a:ln>
             <a:noFill/>
@@ -2394,20 +2446,324 @@
       </p:sp>
       <p:sp>
         <p:nvSpPr>
-          <p:cNvPr id="9" name="Rectangle 8"/>
+          <p:cNvPr id="2" name="Title 1"/>
+          <p:cNvSpPr>
+            <a:spLocks noGrp="1"/>
+          </p:cNvSpPr>
+          <p:nvPr>
+            <p:ph type="title"/>
+          </p:nvPr>
+        </p:nvSpPr>
+        <p:spPr>
+          <a:xfrm>
+            <a:off x="723900" y="685800"/>
+            <a:ext cx="3855720" cy="2157884"/>
+          </a:xfrm>
+        </p:spPr>
+        <p:txBody>
+          <a:bodyPr anchor="t">
+            <a:noAutofit/>
+          </a:bodyPr>
+          <a:lstStyle>
+            <a:lvl1pPr>
+              <a:lnSpc>
+                <a:spcPct val="84000"/>
+              </a:lnSpc>
+              <a:defRPr sz="4800" baseline="0">
+                <a:solidFill>
+                  <a:schemeClr val="tx2"/>
+                </a:solidFill>
+              </a:defRPr>
+            </a:lvl1pPr>
+          </a:lstStyle>
+          <a:p>
+            <a:r>
+              <a:rPr lang="hu-HU"/>
+              <a:t>Mintacím szerkesztése</a:t>
+            </a:r>
+            <a:endParaRPr lang="en-US" dirty="0"/>
+          </a:p>
+        </p:txBody>
+      </p:sp>
+      <p:sp>
+        <p:nvSpPr>
+          <p:cNvPr id="3" name="Content Placeholder 2"/>
+          <p:cNvSpPr>
+            <a:spLocks noGrp="1"/>
+          </p:cNvSpPr>
+          <p:nvPr>
+            <p:ph idx="1"/>
+          </p:nvPr>
+        </p:nvSpPr>
+        <p:spPr>
+          <a:xfrm>
+            <a:off x="6256020" y="685801"/>
+            <a:ext cx="5212080" cy="5175250"/>
+          </a:xfrm>
+        </p:spPr>
+        <p:txBody>
+          <a:bodyPr/>
+          <a:lstStyle>
+            <a:lvl1pPr>
+              <a:defRPr sz="2000"/>
+            </a:lvl1pPr>
+            <a:lvl2pPr>
+              <a:defRPr sz="2000"/>
+            </a:lvl2pPr>
+            <a:lvl3pPr>
+              <a:defRPr sz="1800"/>
+            </a:lvl3pPr>
+            <a:lvl4pPr>
+              <a:defRPr sz="1800"/>
+            </a:lvl4pPr>
+            <a:lvl5pPr>
+              <a:defRPr sz="1600"/>
+            </a:lvl5pPr>
+            <a:lvl6pPr>
+              <a:defRPr sz="1600"/>
+            </a:lvl6pPr>
+            <a:lvl7pPr>
+              <a:defRPr sz="1600"/>
+            </a:lvl7pPr>
+            <a:lvl8pPr>
+              <a:defRPr sz="1600"/>
+            </a:lvl8pPr>
+            <a:lvl9pPr>
+              <a:defRPr sz="1600"/>
+            </a:lvl9pPr>
+          </a:lstStyle>
+          <a:p>
+            <a:pPr lvl="0"/>
+            <a:r>
+              <a:rPr lang="hu-HU"/>
+              <a:t>Mintaszöveg szerkesztése</a:t>
+            </a:r>
+          </a:p>
+          <a:p>
+            <a:pPr lvl="1"/>
+            <a:r>
+              <a:rPr lang="hu-HU"/>
+              <a:t>Második szint</a:t>
+            </a:r>
+          </a:p>
+          <a:p>
+            <a:pPr lvl="2"/>
+            <a:r>
+              <a:rPr lang="hu-HU"/>
+              <a:t>Harmadik szint</a:t>
+            </a:r>
+          </a:p>
+          <a:p>
+            <a:pPr lvl="3"/>
+            <a:r>
+              <a:rPr lang="hu-HU"/>
+              <a:t>Negyedik szint</a:t>
+            </a:r>
+          </a:p>
+          <a:p>
+            <a:pPr lvl="4"/>
+            <a:r>
+              <a:rPr lang="hu-HU"/>
+              <a:t>Ötödik szint</a:t>
+            </a:r>
+            <a:endParaRPr lang="en-US" dirty="0"/>
+          </a:p>
+        </p:txBody>
+      </p:sp>
+      <p:sp>
+        <p:nvSpPr>
+          <p:cNvPr id="4" name="Text Placeholder 3"/>
+          <p:cNvSpPr>
+            <a:spLocks noGrp="1"/>
+          </p:cNvSpPr>
+          <p:nvPr>
+            <p:ph type="body" sz="half" idx="2"/>
+          </p:nvPr>
+        </p:nvSpPr>
+        <p:spPr>
+          <a:xfrm>
+            <a:off x="723900" y="2856344"/>
+            <a:ext cx="3855720" cy="3011056"/>
+          </a:xfrm>
+        </p:spPr>
+        <p:txBody>
+          <a:bodyPr/>
+          <a:lstStyle>
+            <a:lvl1pPr marL="0" indent="0">
+              <a:lnSpc>
+                <a:spcPct val="113000"/>
+              </a:lnSpc>
+              <a:spcBef>
+                <a:spcPts val="0"/>
+              </a:spcBef>
+              <a:spcAft>
+                <a:spcPts val="1500"/>
+              </a:spcAft>
+              <a:buNone/>
+              <a:defRPr sz="1600"/>
+            </a:lvl1pPr>
+            <a:lvl2pPr marL="457200" indent="0">
+              <a:buNone/>
+              <a:defRPr sz="1400"/>
+            </a:lvl2pPr>
+            <a:lvl3pPr marL="914400" indent="0">
+              <a:buNone/>
+              <a:defRPr sz="1200"/>
+            </a:lvl3pPr>
+            <a:lvl4pPr marL="1371600" indent="0">
+              <a:buNone/>
+              <a:defRPr sz="1000"/>
+            </a:lvl4pPr>
+            <a:lvl5pPr marL="1828800" indent="0">
+              <a:buNone/>
+              <a:defRPr sz="1000"/>
+            </a:lvl5pPr>
+            <a:lvl6pPr marL="2286000" indent="0">
+              <a:buNone/>
+              <a:defRPr sz="1000"/>
+            </a:lvl6pPr>
+            <a:lvl7pPr marL="2743200" indent="0">
+              <a:buNone/>
+              <a:defRPr sz="1000"/>
+            </a:lvl7pPr>
+            <a:lvl8pPr marL="3200400" indent="0">
+              <a:buNone/>
+              <a:defRPr sz="1000"/>
+            </a:lvl8pPr>
+            <a:lvl9pPr marL="3657600" indent="0">
+              <a:buNone/>
+              <a:defRPr sz="1000"/>
+            </a:lvl9pPr>
+          </a:lstStyle>
+          <a:p>
+            <a:pPr lvl="0"/>
+            <a:r>
+              <a:rPr lang="hu-HU"/>
+              <a:t>Mintaszöveg szerkesztése</a:t>
+            </a:r>
+          </a:p>
+        </p:txBody>
+      </p:sp>
+      <p:sp>
+        <p:nvSpPr>
+          <p:cNvPr id="5" name="Date Placeholder 4"/>
+          <p:cNvSpPr>
+            <a:spLocks noGrp="1"/>
+          </p:cNvSpPr>
+          <p:nvPr>
+            <p:ph type="dt" sz="half" idx="10"/>
+          </p:nvPr>
+        </p:nvSpPr>
+        <p:spPr>
+          <a:xfrm>
+            <a:off x="723900" y="6453386"/>
+            <a:ext cx="1204572" cy="404614"/>
+          </a:xfrm>
+        </p:spPr>
+        <p:txBody>
+          <a:bodyPr/>
+          <a:lstStyle>
+            <a:lvl1pPr>
+              <a:defRPr>
+                <a:solidFill>
+                  <a:schemeClr val="tx2"/>
+                </a:solidFill>
+              </a:defRPr>
+            </a:lvl1pPr>
+          </a:lstStyle>
+          <a:p>
+            <a:fld id="{129950DD-C43F-43A6-A0D6-586CE2C100B3}" type="datetimeFigureOut">
+              <a:rPr lang="hu-HU" smtClean="0"/>
+              <a:t>2026. 01. 22.</a:t>
+            </a:fld>
+            <a:endParaRPr lang="hu-HU"/>
+          </a:p>
+        </p:txBody>
+      </p:sp>
+      <p:sp>
+        <p:nvSpPr>
+          <p:cNvPr id="6" name="Footer Placeholder 5"/>
+          <p:cNvSpPr>
+            <a:spLocks noGrp="1"/>
+          </p:cNvSpPr>
+          <p:nvPr>
+            <p:ph type="ftr" sz="quarter" idx="11"/>
+          </p:nvPr>
+        </p:nvSpPr>
+        <p:spPr>
+          <a:xfrm>
+            <a:off x="2205945" y="6453386"/>
+            <a:ext cx="2373675" cy="404614"/>
+          </a:xfrm>
+        </p:spPr>
+        <p:txBody>
+          <a:bodyPr/>
+          <a:lstStyle>
+            <a:lvl1pPr>
+              <a:defRPr>
+                <a:solidFill>
+                  <a:schemeClr val="tx2"/>
+                </a:solidFill>
+              </a:defRPr>
+            </a:lvl1pPr>
+          </a:lstStyle>
+          <a:p>
+            <a:endParaRPr lang="hu-HU"/>
+          </a:p>
+        </p:txBody>
+      </p:sp>
+      <p:sp>
+        <p:nvSpPr>
+          <p:cNvPr id="7" name="Slide Number Placeholder 6"/>
+          <p:cNvSpPr>
+            <a:spLocks noGrp="1"/>
+          </p:cNvSpPr>
+          <p:nvPr>
+            <p:ph type="sldNum" sz="quarter" idx="12"/>
+          </p:nvPr>
+        </p:nvSpPr>
+        <p:spPr>
+          <a:xfrm>
+            <a:off x="9883140" y="6453386"/>
+            <a:ext cx="1596292" cy="404614"/>
+          </a:xfrm>
+        </p:spPr>
+        <p:txBody>
+          <a:bodyPr/>
+          <a:lstStyle>
+            <a:lvl1pPr>
+              <a:defRPr>
+                <a:solidFill>
+                  <a:schemeClr val="tx2"/>
+                </a:solidFill>
+              </a:defRPr>
+            </a:lvl1pPr>
+          </a:lstStyle>
+          <a:p>
+            <a:fld id="{9ED9EF6D-EAB9-462E-9614-3F8F3BBE850D}" type="slidenum">
+              <a:rPr lang="hu-HU" smtClean="0"/>
+              <a:t>‹#›</a:t>
+            </a:fld>
+            <a:endParaRPr lang="hu-HU"/>
+          </a:p>
+        </p:txBody>
+      </p:sp>
+      <p:sp>
+        <p:nvSpPr>
+          <p:cNvPr id="9" name="Rectangle 8" title="Divider Bar"/>
           <p:cNvSpPr/>
           <p:nvPr/>
         </p:nvSpPr>
         <p:spPr>
           <a:xfrm>
-            <a:off x="4040071" y="0"/>
-            <a:ext cx="64008" cy="6858000"/>
+            <a:off x="5303520" y="376"/>
+            <a:ext cx="228600" cy="6858000"/>
           </a:xfrm>
           <a:prstGeom prst="rect">
             <a:avLst/>
           </a:prstGeom>
           <a:solidFill>
-            <a:schemeClr val="accent1"/>
+            <a:schemeClr val="tx2"/>
           </a:solidFill>
           <a:ln>
             <a:noFill/>
@@ -2430,271 +2786,10 @@
           </a:fontRef>
         </p:style>
       </p:sp>
-      <p:sp>
-        <p:nvSpPr>
-          <p:cNvPr id="2" name="Title 1"/>
-          <p:cNvSpPr>
-            <a:spLocks noGrp="1"/>
-          </p:cNvSpPr>
-          <p:nvPr>
-            <p:ph type="title"/>
-          </p:nvPr>
-        </p:nvSpPr>
-        <p:spPr>
-          <a:xfrm>
-            <a:off x="457200" y="594359"/>
-            <a:ext cx="3200400" cy="2286000"/>
-          </a:xfrm>
-        </p:spPr>
-        <p:txBody>
-          <a:bodyPr anchor="b">
-            <a:normAutofit/>
-          </a:bodyPr>
-          <a:lstStyle>
-            <a:lvl1pPr>
-              <a:defRPr sz="3600" b="0">
-                <a:solidFill>
-                  <a:srgbClr val="FFFFFF"/>
-                </a:solidFill>
-              </a:defRPr>
-            </a:lvl1pPr>
-          </a:lstStyle>
-          <a:p>
-            <a:r>
-              <a:rPr lang="hu-HU"/>
-              <a:t>Mintacím szerkesztése</a:t>
-            </a:r>
-            <a:endParaRPr lang="en-US" dirty="0"/>
-          </a:p>
-        </p:txBody>
-      </p:sp>
-      <p:sp>
-        <p:nvSpPr>
-          <p:cNvPr id="3" name="Content Placeholder 2"/>
-          <p:cNvSpPr>
-            <a:spLocks noGrp="1"/>
-          </p:cNvSpPr>
-          <p:nvPr>
-            <p:ph idx="1"/>
-          </p:nvPr>
-        </p:nvSpPr>
-        <p:spPr>
-          <a:xfrm>
-            <a:off x="4800600" y="731520"/>
-            <a:ext cx="6492240" cy="5257800"/>
-          </a:xfrm>
-        </p:spPr>
-        <p:txBody>
-          <a:bodyPr/>
-          <a:lstStyle/>
-          <a:p>
-            <a:pPr lvl="0"/>
-            <a:r>
-              <a:rPr lang="hu-HU"/>
-              <a:t>Mintaszöveg szerkesztése</a:t>
-            </a:r>
-          </a:p>
-          <a:p>
-            <a:pPr lvl="1"/>
-            <a:r>
-              <a:rPr lang="hu-HU"/>
-              <a:t>Második szint</a:t>
-            </a:r>
-          </a:p>
-          <a:p>
-            <a:pPr lvl="2"/>
-            <a:r>
-              <a:rPr lang="hu-HU"/>
-              <a:t>Harmadik szint</a:t>
-            </a:r>
-          </a:p>
-          <a:p>
-            <a:pPr lvl="3"/>
-            <a:r>
-              <a:rPr lang="hu-HU"/>
-              <a:t>Negyedik szint</a:t>
-            </a:r>
-          </a:p>
-          <a:p>
-            <a:pPr lvl="4"/>
-            <a:r>
-              <a:rPr lang="hu-HU"/>
-              <a:t>Ötödik szint</a:t>
-            </a:r>
-            <a:endParaRPr lang="en-US" dirty="0"/>
-          </a:p>
-        </p:txBody>
-      </p:sp>
-      <p:sp>
-        <p:nvSpPr>
-          <p:cNvPr id="4" name="Text Placeholder 3"/>
-          <p:cNvSpPr>
-            <a:spLocks noGrp="1"/>
-          </p:cNvSpPr>
-          <p:nvPr>
-            <p:ph type="body" sz="half" idx="2"/>
-          </p:nvPr>
-        </p:nvSpPr>
-        <p:spPr>
-          <a:xfrm>
-            <a:off x="457200" y="2926080"/>
-            <a:ext cx="3200400" cy="3379124"/>
-          </a:xfrm>
-        </p:spPr>
-        <p:txBody>
-          <a:bodyPr lIns="91440" rIns="91440">
-            <a:normAutofit/>
-          </a:bodyPr>
-          <a:lstStyle>
-            <a:lvl1pPr marL="0" indent="0">
-              <a:buNone/>
-              <a:defRPr sz="1500">
-                <a:solidFill>
-                  <a:srgbClr val="FFFFFF"/>
-                </a:solidFill>
-              </a:defRPr>
-            </a:lvl1pPr>
-            <a:lvl2pPr marL="457200" indent="0">
-              <a:buNone/>
-              <a:defRPr sz="1200"/>
-            </a:lvl2pPr>
-            <a:lvl3pPr marL="914400" indent="0">
-              <a:buNone/>
-              <a:defRPr sz="1000"/>
-            </a:lvl3pPr>
-            <a:lvl4pPr marL="1371600" indent="0">
-              <a:buNone/>
-              <a:defRPr sz="900"/>
-            </a:lvl4pPr>
-            <a:lvl5pPr marL="1828800" indent="0">
-              <a:buNone/>
-              <a:defRPr sz="900"/>
-            </a:lvl5pPr>
-            <a:lvl6pPr marL="2286000" indent="0">
-              <a:buNone/>
-              <a:defRPr sz="900"/>
-            </a:lvl6pPr>
-            <a:lvl7pPr marL="2743200" indent="0">
-              <a:buNone/>
-              <a:defRPr sz="900"/>
-            </a:lvl7pPr>
-            <a:lvl8pPr marL="3200400" indent="0">
-              <a:buNone/>
-              <a:defRPr sz="900"/>
-            </a:lvl8pPr>
-            <a:lvl9pPr marL="3657600" indent="0">
-              <a:buNone/>
-              <a:defRPr sz="900"/>
-            </a:lvl9pPr>
-          </a:lstStyle>
-          <a:p>
-            <a:pPr lvl="0"/>
-            <a:r>
-              <a:rPr lang="hu-HU"/>
-              <a:t>Mintaszöveg szerkesztése</a:t>
-            </a:r>
-          </a:p>
-        </p:txBody>
-      </p:sp>
-      <p:sp>
-        <p:nvSpPr>
-          <p:cNvPr id="5" name="Date Placeholder 4"/>
-          <p:cNvSpPr>
-            <a:spLocks noGrp="1"/>
-          </p:cNvSpPr>
-          <p:nvPr>
-            <p:ph type="dt" sz="half" idx="10"/>
-          </p:nvPr>
-        </p:nvSpPr>
-        <p:spPr>
-          <a:xfrm>
-            <a:off x="465512" y="6459785"/>
-            <a:ext cx="2618510" cy="365125"/>
-          </a:xfrm>
-        </p:spPr>
-        <p:txBody>
-          <a:bodyPr/>
-          <a:lstStyle>
-            <a:lvl1pPr algn="l">
-              <a:defRPr/>
-            </a:lvl1pPr>
-          </a:lstStyle>
-          <a:p>
-            <a:fld id="{129950DD-C43F-43A6-A0D6-586CE2C100B3}" type="datetimeFigureOut">
-              <a:rPr lang="hu-HU" smtClean="0"/>
-              <a:t>2026. 01. 22.</a:t>
-            </a:fld>
-            <a:endParaRPr lang="hu-HU"/>
-          </a:p>
-        </p:txBody>
-      </p:sp>
-      <p:sp>
-        <p:nvSpPr>
-          <p:cNvPr id="6" name="Footer Placeholder 5"/>
-          <p:cNvSpPr>
-            <a:spLocks noGrp="1"/>
-          </p:cNvSpPr>
-          <p:nvPr>
-            <p:ph type="ftr" sz="quarter" idx="11"/>
-          </p:nvPr>
-        </p:nvSpPr>
-        <p:spPr>
-          <a:xfrm>
-            <a:off x="4800600" y="6459785"/>
-            <a:ext cx="4648200" cy="365125"/>
-          </a:xfrm>
-        </p:spPr>
-        <p:txBody>
-          <a:bodyPr/>
-          <a:lstStyle>
-            <a:lvl1pPr algn="l">
-              <a:defRPr>
-                <a:solidFill>
-                  <a:schemeClr val="tx2"/>
-                </a:solidFill>
-              </a:defRPr>
-            </a:lvl1pPr>
-          </a:lstStyle>
-          <a:p>
-            <a:endParaRPr lang="hu-HU"/>
-          </a:p>
-        </p:txBody>
-      </p:sp>
-      <p:sp>
-        <p:nvSpPr>
-          <p:cNvPr id="7" name="Slide Number Placeholder 6"/>
-          <p:cNvSpPr>
-            <a:spLocks noGrp="1"/>
-          </p:cNvSpPr>
-          <p:nvPr>
-            <p:ph type="sldNum" sz="quarter" idx="12"/>
-          </p:nvPr>
-        </p:nvSpPr>
-        <p:spPr/>
-        <p:txBody>
-          <a:bodyPr/>
-          <a:lstStyle>
-            <a:lvl1pPr>
-              <a:defRPr>
-                <a:solidFill>
-                  <a:schemeClr val="tx2"/>
-                </a:solidFill>
-              </a:defRPr>
-            </a:lvl1pPr>
-          </a:lstStyle>
-          <a:p>
-            <a:fld id="{9ED9EF6D-EAB9-462E-9614-3F8F3BBE850D}" type="slidenum">
-              <a:rPr lang="hu-HU" smtClean="0"/>
-              <a:t>‹#›</a:t>
-            </a:fld>
-            <a:endParaRPr lang="hu-HU"/>
-          </a:p>
-        </p:txBody>
-      </p:sp>
     </p:spTree>
     <p:extLst>
       <p:ext uri="{BB962C8B-B14F-4D97-AF65-F5344CB8AC3E}">
-        <p14:creationId xmlns:p14="http://schemas.microsoft.com/office/powerpoint/2010/main" val="525294028"/>
+        <p14:creationId xmlns:p14="http://schemas.microsoft.com/office/powerpoint/2010/main" val="553100576"/>
       </p:ext>
     </p:extLst>
   </p:cSld>
@@ -2723,20 +2818,20 @@
       </p:grpSpPr>
       <p:sp>
         <p:nvSpPr>
-          <p:cNvPr id="8" name="Rectangle 7"/>
+          <p:cNvPr id="8" name="Rectangle 7" title="Background Shape"/>
           <p:cNvSpPr/>
           <p:nvPr/>
         </p:nvSpPr>
         <p:spPr>
           <a:xfrm>
-            <a:off x="0" y="4953000"/>
-            <a:ext cx="12188825" cy="1905000"/>
+            <a:off x="0" y="376"/>
+            <a:ext cx="5303520" cy="6857624"/>
           </a:xfrm>
           <a:prstGeom prst="rect">
             <a:avLst/>
           </a:prstGeom>
           <a:solidFill>
-            <a:schemeClr val="accent2"/>
+            <a:schemeClr val="accent1"/>
           </a:solidFill>
           <a:ln>
             <a:noFill/>
@@ -2761,20 +2856,302 @@
       </p:sp>
       <p:sp>
         <p:nvSpPr>
-          <p:cNvPr id="9" name="Rectangle 8"/>
+          <p:cNvPr id="2" name="Title 1"/>
+          <p:cNvSpPr>
+            <a:spLocks noGrp="1"/>
+          </p:cNvSpPr>
+          <p:nvPr>
+            <p:ph type="title"/>
+          </p:nvPr>
+        </p:nvSpPr>
+        <p:spPr>
+          <a:xfrm>
+            <a:off x="723900" y="685800"/>
+            <a:ext cx="3855720" cy="2157884"/>
+          </a:xfrm>
+        </p:spPr>
+        <p:txBody>
+          <a:bodyPr anchor="t">
+            <a:normAutofit/>
+          </a:bodyPr>
+          <a:lstStyle>
+            <a:lvl1pPr>
+              <a:lnSpc>
+                <a:spcPct val="84000"/>
+              </a:lnSpc>
+              <a:defRPr sz="4800" baseline="0"/>
+            </a:lvl1pPr>
+          </a:lstStyle>
+          <a:p>
+            <a:r>
+              <a:rPr lang="hu-HU"/>
+              <a:t>Mintacím szerkesztése</a:t>
+            </a:r>
+            <a:endParaRPr lang="en-US" dirty="0"/>
+          </a:p>
+        </p:txBody>
+      </p:sp>
+      <p:sp>
+        <p:nvSpPr>
+          <p:cNvPr id="3" name="Picture Placeholder 2"/>
+          <p:cNvSpPr>
+            <a:spLocks noGrp="1" noChangeAspect="1"/>
+          </p:cNvSpPr>
+          <p:nvPr>
+            <p:ph type="pic" idx="1"/>
+          </p:nvPr>
+        </p:nvSpPr>
+        <p:spPr>
+          <a:xfrm>
+            <a:off x="5532120" y="0"/>
+            <a:ext cx="6659880" cy="6857999"/>
+          </a:xfrm>
+        </p:spPr>
+        <p:txBody>
+          <a:bodyPr anchor="t">
+            <a:normAutofit/>
+          </a:bodyPr>
+          <a:lstStyle>
+            <a:lvl1pPr marL="0" indent="0">
+              <a:buNone/>
+              <a:defRPr sz="2000"/>
+            </a:lvl1pPr>
+            <a:lvl2pPr marL="457200" indent="0">
+              <a:buNone/>
+              <a:defRPr sz="2000"/>
+            </a:lvl2pPr>
+            <a:lvl3pPr marL="914400" indent="0">
+              <a:buNone/>
+              <a:defRPr sz="2000"/>
+            </a:lvl3pPr>
+            <a:lvl4pPr marL="1371600" indent="0">
+              <a:buNone/>
+              <a:defRPr sz="2000"/>
+            </a:lvl4pPr>
+            <a:lvl5pPr marL="1828800" indent="0">
+              <a:buNone/>
+              <a:defRPr sz="2000"/>
+            </a:lvl5pPr>
+            <a:lvl6pPr marL="2286000" indent="0">
+              <a:buNone/>
+              <a:defRPr sz="2000"/>
+            </a:lvl6pPr>
+            <a:lvl7pPr marL="2743200" indent="0">
+              <a:buNone/>
+              <a:defRPr sz="2000"/>
+            </a:lvl7pPr>
+            <a:lvl8pPr marL="3200400" indent="0">
+              <a:buNone/>
+              <a:defRPr sz="2000"/>
+            </a:lvl8pPr>
+            <a:lvl9pPr marL="3657600" indent="0">
+              <a:buNone/>
+              <a:defRPr sz="2000"/>
+            </a:lvl9pPr>
+          </a:lstStyle>
+          <a:p>
+            <a:r>
+              <a:rPr lang="hu-HU"/>
+              <a:t>Kép beszúrásához kattintson az ikonra</a:t>
+            </a:r>
+            <a:endParaRPr lang="en-US" dirty="0"/>
+          </a:p>
+        </p:txBody>
+      </p:sp>
+      <p:sp>
+        <p:nvSpPr>
+          <p:cNvPr id="4" name="Text Placeholder 3"/>
+          <p:cNvSpPr>
+            <a:spLocks noGrp="1"/>
+          </p:cNvSpPr>
+          <p:nvPr>
+            <p:ph type="body" sz="half" idx="2"/>
+          </p:nvPr>
+        </p:nvSpPr>
+        <p:spPr>
+          <a:xfrm>
+            <a:off x="723900" y="2855968"/>
+            <a:ext cx="3855720" cy="3011432"/>
+          </a:xfrm>
+        </p:spPr>
+        <p:txBody>
+          <a:bodyPr/>
+          <a:lstStyle>
+            <a:lvl1pPr marL="0" indent="0">
+              <a:lnSpc>
+                <a:spcPct val="113000"/>
+              </a:lnSpc>
+              <a:spcBef>
+                <a:spcPts val="0"/>
+              </a:spcBef>
+              <a:spcAft>
+                <a:spcPts val="1500"/>
+              </a:spcAft>
+              <a:buNone/>
+              <a:defRPr sz="1600"/>
+            </a:lvl1pPr>
+            <a:lvl2pPr marL="457200" indent="0">
+              <a:buNone/>
+              <a:defRPr sz="1400"/>
+            </a:lvl2pPr>
+            <a:lvl3pPr marL="914400" indent="0">
+              <a:buNone/>
+              <a:defRPr sz="1200"/>
+            </a:lvl3pPr>
+            <a:lvl4pPr marL="1371600" indent="0">
+              <a:buNone/>
+              <a:defRPr sz="1000"/>
+            </a:lvl4pPr>
+            <a:lvl5pPr marL="1828800" indent="0">
+              <a:buNone/>
+              <a:defRPr sz="1000"/>
+            </a:lvl5pPr>
+            <a:lvl6pPr marL="2286000" indent="0">
+              <a:buNone/>
+              <a:defRPr sz="1000"/>
+            </a:lvl6pPr>
+            <a:lvl7pPr marL="2743200" indent="0">
+              <a:buNone/>
+              <a:defRPr sz="1000"/>
+            </a:lvl7pPr>
+            <a:lvl8pPr marL="3200400" indent="0">
+              <a:buNone/>
+              <a:defRPr sz="1000"/>
+            </a:lvl8pPr>
+            <a:lvl9pPr marL="3657600" indent="0">
+              <a:buNone/>
+              <a:defRPr sz="1000"/>
+            </a:lvl9pPr>
+          </a:lstStyle>
+          <a:p>
+            <a:pPr lvl="0"/>
+            <a:r>
+              <a:rPr lang="hu-HU"/>
+              <a:t>Mintaszöveg szerkesztése</a:t>
+            </a:r>
+          </a:p>
+        </p:txBody>
+      </p:sp>
+      <p:sp>
+        <p:nvSpPr>
+          <p:cNvPr id="5" name="Date Placeholder 4"/>
+          <p:cNvSpPr>
+            <a:spLocks noGrp="1"/>
+          </p:cNvSpPr>
+          <p:nvPr>
+            <p:ph type="dt" sz="half" idx="10"/>
+          </p:nvPr>
+        </p:nvSpPr>
+        <p:spPr>
+          <a:xfrm>
+            <a:off x="723900" y="6453386"/>
+            <a:ext cx="1204572" cy="404614"/>
+          </a:xfrm>
+        </p:spPr>
+        <p:txBody>
+          <a:bodyPr/>
+          <a:lstStyle>
+            <a:lvl1pPr>
+              <a:defRPr>
+                <a:solidFill>
+                  <a:schemeClr val="tx2"/>
+                </a:solidFill>
+              </a:defRPr>
+            </a:lvl1pPr>
+          </a:lstStyle>
+          <a:p>
+            <a:fld id="{129950DD-C43F-43A6-A0D6-586CE2C100B3}" type="datetimeFigureOut">
+              <a:rPr lang="hu-HU" smtClean="0"/>
+              <a:t>2026. 01. 22.</a:t>
+            </a:fld>
+            <a:endParaRPr lang="hu-HU"/>
+          </a:p>
+        </p:txBody>
+      </p:sp>
+      <p:sp>
+        <p:nvSpPr>
+          <p:cNvPr id="6" name="Footer Placeholder 5"/>
+          <p:cNvSpPr>
+            <a:spLocks noGrp="1"/>
+          </p:cNvSpPr>
+          <p:nvPr>
+            <p:ph type="ftr" sz="quarter" idx="11"/>
+          </p:nvPr>
+        </p:nvSpPr>
+        <p:spPr>
+          <a:xfrm>
+            <a:off x="2205945" y="6453386"/>
+            <a:ext cx="2373675" cy="404614"/>
+          </a:xfrm>
+        </p:spPr>
+        <p:txBody>
+          <a:bodyPr/>
+          <a:lstStyle>
+            <a:lvl1pPr>
+              <a:defRPr>
+                <a:solidFill>
+                  <a:schemeClr val="tx2"/>
+                </a:solidFill>
+              </a:defRPr>
+            </a:lvl1pPr>
+          </a:lstStyle>
+          <a:p>
+            <a:endParaRPr lang="hu-HU"/>
+          </a:p>
+        </p:txBody>
+      </p:sp>
+      <p:sp>
+        <p:nvSpPr>
+          <p:cNvPr id="7" name="Slide Number Placeholder 6"/>
+          <p:cNvSpPr>
+            <a:spLocks noGrp="1"/>
+          </p:cNvSpPr>
+          <p:nvPr>
+            <p:ph type="sldNum" sz="quarter" idx="12"/>
+          </p:nvPr>
+        </p:nvSpPr>
+        <p:spPr>
+          <a:xfrm>
+            <a:off x="9883140" y="6453386"/>
+            <a:ext cx="1596292" cy="404614"/>
+          </a:xfrm>
+        </p:spPr>
+        <p:txBody>
+          <a:bodyPr/>
+          <a:lstStyle>
+            <a:lvl1pPr>
+              <a:defRPr>
+                <a:solidFill>
+                  <a:schemeClr val="tx2"/>
+                </a:solidFill>
+              </a:defRPr>
+            </a:lvl1pPr>
+          </a:lstStyle>
+          <a:p>
+            <a:fld id="{9ED9EF6D-EAB9-462E-9614-3F8F3BBE850D}" type="slidenum">
+              <a:rPr lang="hu-HU" smtClean="0"/>
+              <a:t>‹#›</a:t>
+            </a:fld>
+            <a:endParaRPr lang="hu-HU"/>
+          </a:p>
+        </p:txBody>
+      </p:sp>
+      <p:sp>
+        <p:nvSpPr>
+          <p:cNvPr id="9" name="Rectangle 8" title="Divider Bar"/>
           <p:cNvSpPr/>
           <p:nvPr/>
         </p:nvSpPr>
         <p:spPr>
           <a:xfrm>
-            <a:off x="15" y="4915076"/>
-            <a:ext cx="12188825" cy="64008"/>
+            <a:off x="5303520" y="376"/>
+            <a:ext cx="228600" cy="6858000"/>
           </a:xfrm>
           <a:prstGeom prst="rect">
             <a:avLst/>
           </a:prstGeom>
           <a:solidFill>
-            <a:schemeClr val="accent1"/>
+            <a:schemeClr val="tx2"/>
           </a:solidFill>
           <a:ln>
             <a:noFill/>
@@ -2797,265 +3174,10 @@
           </a:fontRef>
         </p:style>
       </p:sp>
-      <p:sp>
-        <p:nvSpPr>
-          <p:cNvPr id="2" name="Title 1"/>
-          <p:cNvSpPr>
-            <a:spLocks noGrp="1"/>
-          </p:cNvSpPr>
-          <p:nvPr>
-            <p:ph type="title"/>
-          </p:nvPr>
-        </p:nvSpPr>
-        <p:spPr>
-          <a:xfrm>
-            <a:off x="1097280" y="5074920"/>
-            <a:ext cx="10113264" cy="822960"/>
-          </a:xfrm>
-        </p:spPr>
-        <p:txBody>
-          <a:bodyPr lIns="91440" tIns="0" rIns="91440" bIns="0" anchor="b">
-            <a:noAutofit/>
-          </a:bodyPr>
-          <a:lstStyle>
-            <a:lvl1pPr>
-              <a:defRPr sz="3600" b="0">
-                <a:solidFill>
-                  <a:srgbClr val="FFFFFF"/>
-                </a:solidFill>
-              </a:defRPr>
-            </a:lvl1pPr>
-          </a:lstStyle>
-          <a:p>
-            <a:r>
-              <a:rPr lang="hu-HU"/>
-              <a:t>Mintacím szerkesztése</a:t>
-            </a:r>
-            <a:endParaRPr lang="en-US" dirty="0"/>
-          </a:p>
-        </p:txBody>
-      </p:sp>
-      <p:sp>
-        <p:nvSpPr>
-          <p:cNvPr id="3" name="Picture Placeholder 2"/>
-          <p:cNvSpPr>
-            <a:spLocks noGrp="1" noChangeAspect="1"/>
-          </p:cNvSpPr>
-          <p:nvPr>
-            <p:ph type="pic" idx="1"/>
-          </p:nvPr>
-        </p:nvSpPr>
-        <p:spPr>
-          <a:xfrm>
-            <a:off x="15" y="0"/>
-            <a:ext cx="12191985" cy="4915076"/>
-          </a:xfrm>
-          <a:blipFill>
-            <a:blip r:embed="rId2"/>
-            <a:stretch>
-              <a:fillRect/>
-            </a:stretch>
-          </a:blipFill>
-        </p:spPr>
-        <p:txBody>
-          <a:bodyPr lIns="457200" tIns="457200" anchor="t"/>
-          <a:lstStyle>
-            <a:lvl1pPr marL="0" indent="0">
-              <a:buNone/>
-              <a:defRPr sz="3200">
-                <a:solidFill>
-                  <a:schemeClr val="bg1"/>
-                </a:solidFill>
-              </a:defRPr>
-            </a:lvl1pPr>
-            <a:lvl2pPr marL="457200" indent="0">
-              <a:buNone/>
-              <a:defRPr sz="2800"/>
-            </a:lvl2pPr>
-            <a:lvl3pPr marL="914400" indent="0">
-              <a:buNone/>
-              <a:defRPr sz="2400"/>
-            </a:lvl3pPr>
-            <a:lvl4pPr marL="1371600" indent="0">
-              <a:buNone/>
-              <a:defRPr sz="2000"/>
-            </a:lvl4pPr>
-            <a:lvl5pPr marL="1828800" indent="0">
-              <a:buNone/>
-              <a:defRPr sz="2000"/>
-            </a:lvl5pPr>
-            <a:lvl6pPr marL="2286000" indent="0">
-              <a:buNone/>
-              <a:defRPr sz="2000"/>
-            </a:lvl6pPr>
-            <a:lvl7pPr marL="2743200" indent="0">
-              <a:buNone/>
-              <a:defRPr sz="2000"/>
-            </a:lvl7pPr>
-            <a:lvl8pPr marL="3200400" indent="0">
-              <a:buNone/>
-              <a:defRPr sz="2000"/>
-            </a:lvl8pPr>
-            <a:lvl9pPr marL="3657600" indent="0">
-              <a:buNone/>
-              <a:defRPr sz="2000"/>
-            </a:lvl9pPr>
-          </a:lstStyle>
-          <a:p>
-            <a:r>
-              <a:rPr lang="hu-HU"/>
-              <a:t>Kép beszúrásához kattintson az ikonra</a:t>
-            </a:r>
-            <a:endParaRPr lang="en-US" dirty="0"/>
-          </a:p>
-        </p:txBody>
-      </p:sp>
-      <p:sp>
-        <p:nvSpPr>
-          <p:cNvPr id="4" name="Text Placeholder 3"/>
-          <p:cNvSpPr>
-            <a:spLocks noGrp="1"/>
-          </p:cNvSpPr>
-          <p:nvPr>
-            <p:ph type="body" sz="half" idx="2"/>
-          </p:nvPr>
-        </p:nvSpPr>
-        <p:spPr>
-          <a:xfrm>
-            <a:off x="1097280" y="5907023"/>
-            <a:ext cx="10113264" cy="594360"/>
-          </a:xfrm>
-        </p:spPr>
-        <p:txBody>
-          <a:bodyPr lIns="91440" tIns="0" rIns="91440" bIns="0">
-            <a:normAutofit/>
-          </a:bodyPr>
-          <a:lstStyle>
-            <a:lvl1pPr marL="0" indent="0">
-              <a:spcBef>
-                <a:spcPts val="0"/>
-              </a:spcBef>
-              <a:spcAft>
-                <a:spcPts val="600"/>
-              </a:spcAft>
-              <a:buNone/>
-              <a:defRPr sz="1500">
-                <a:solidFill>
-                  <a:srgbClr val="FFFFFF"/>
-                </a:solidFill>
-              </a:defRPr>
-            </a:lvl1pPr>
-            <a:lvl2pPr marL="457200" indent="0">
-              <a:buNone/>
-              <a:defRPr sz="1200"/>
-            </a:lvl2pPr>
-            <a:lvl3pPr marL="914400" indent="0">
-              <a:buNone/>
-              <a:defRPr sz="1000"/>
-            </a:lvl3pPr>
-            <a:lvl4pPr marL="1371600" indent="0">
-              <a:buNone/>
-              <a:defRPr sz="900"/>
-            </a:lvl4pPr>
-            <a:lvl5pPr marL="1828800" indent="0">
-              <a:buNone/>
-              <a:defRPr sz="900"/>
-            </a:lvl5pPr>
-            <a:lvl6pPr marL="2286000" indent="0">
-              <a:buNone/>
-              <a:defRPr sz="900"/>
-            </a:lvl6pPr>
-            <a:lvl7pPr marL="2743200" indent="0">
-              <a:buNone/>
-              <a:defRPr sz="900"/>
-            </a:lvl7pPr>
-            <a:lvl8pPr marL="3200400" indent="0">
-              <a:buNone/>
-              <a:defRPr sz="900"/>
-            </a:lvl8pPr>
-            <a:lvl9pPr marL="3657600" indent="0">
-              <a:buNone/>
-              <a:defRPr sz="900"/>
-            </a:lvl9pPr>
-          </a:lstStyle>
-          <a:p>
-            <a:pPr lvl="0"/>
-            <a:r>
-              <a:rPr lang="hu-HU"/>
-              <a:t>Mintaszöveg szerkesztése</a:t>
-            </a:r>
-          </a:p>
-        </p:txBody>
-      </p:sp>
-      <p:sp>
-        <p:nvSpPr>
-          <p:cNvPr id="5" name="Date Placeholder 4"/>
-          <p:cNvSpPr>
-            <a:spLocks noGrp="1"/>
-          </p:cNvSpPr>
-          <p:nvPr>
-            <p:ph type="dt" sz="half" idx="10"/>
-          </p:nvPr>
-        </p:nvSpPr>
-        <p:spPr/>
-        <p:txBody>
-          <a:bodyPr/>
-          <a:lstStyle/>
-          <a:p>
-            <a:fld id="{129950DD-C43F-43A6-A0D6-586CE2C100B3}" type="datetimeFigureOut">
-              <a:rPr lang="hu-HU" smtClean="0"/>
-              <a:t>2026. 01. 22.</a:t>
-            </a:fld>
-            <a:endParaRPr lang="hu-HU"/>
-          </a:p>
-        </p:txBody>
-      </p:sp>
-      <p:sp>
-        <p:nvSpPr>
-          <p:cNvPr id="6" name="Footer Placeholder 5"/>
-          <p:cNvSpPr>
-            <a:spLocks noGrp="1"/>
-          </p:cNvSpPr>
-          <p:nvPr>
-            <p:ph type="ftr" sz="quarter" idx="11"/>
-          </p:nvPr>
-        </p:nvSpPr>
-        <p:spPr/>
-        <p:txBody>
-          <a:bodyPr/>
-          <a:lstStyle/>
-          <a:p>
-            <a:endParaRPr lang="hu-HU"/>
-          </a:p>
-        </p:txBody>
-      </p:sp>
-      <p:sp>
-        <p:nvSpPr>
-          <p:cNvPr id="7" name="Slide Number Placeholder 6"/>
-          <p:cNvSpPr>
-            <a:spLocks noGrp="1"/>
-          </p:cNvSpPr>
-          <p:nvPr>
-            <p:ph type="sldNum" sz="quarter" idx="12"/>
-          </p:nvPr>
-        </p:nvSpPr>
-        <p:spPr/>
-        <p:txBody>
-          <a:bodyPr/>
-          <a:lstStyle/>
-          <a:p>
-            <a:fld id="{9ED9EF6D-EAB9-462E-9614-3F8F3BBE850D}" type="slidenum">
-              <a:rPr lang="hu-HU" smtClean="0"/>
-              <a:t>‹#›</a:t>
-            </a:fld>
-            <a:endParaRPr lang="hu-HU"/>
-          </a:p>
-        </p:txBody>
-      </p:sp>
     </p:spTree>
     <p:extLst>
       <p:ext uri="{BB962C8B-B14F-4D97-AF65-F5344CB8AC3E}">
-        <p14:creationId xmlns:p14="http://schemas.microsoft.com/office/powerpoint/2010/main" val="1961695072"/>
+        <p14:creationId xmlns:p14="http://schemas.microsoft.com/office/powerpoint/2010/main" val="1827852684"/>
       </p:ext>
     </p:extLst>
   </p:cSld>
@@ -3069,9 +3191,12 @@
 <p:sldMaster xmlns:a="http://schemas.openxmlformats.org/drawingml/2006/main" xmlns:r="http://schemas.openxmlformats.org/officeDocument/2006/relationships" xmlns:p="http://schemas.openxmlformats.org/presentationml/2006/main">
   <p:cSld>
     <p:bg>
-      <p:bgRef idx="1001">
-        <a:schemeClr val="bg1"/>
-      </p:bgRef>
+      <p:bgPr>
+        <a:solidFill>
+          <a:schemeClr val="bg2"/>
+        </a:solidFill>
+        <a:effectLst/>
+      </p:bgPr>
     </p:bg>
     <p:spTree>
       <p:nvGrpSpPr>
@@ -3089,20 +3214,228 @@
       </p:grpSpPr>
       <p:sp>
         <p:nvSpPr>
-          <p:cNvPr id="7" name="Rectangle 6"/>
+          <p:cNvPr id="2" name="Title Placeholder 1"/>
+          <p:cNvSpPr>
+            <a:spLocks noGrp="1"/>
+          </p:cNvSpPr>
+          <p:nvPr>
+            <p:ph type="title"/>
+          </p:nvPr>
+        </p:nvSpPr>
+        <p:spPr>
+          <a:xfrm>
+            <a:off x="1371600" y="685800"/>
+            <a:ext cx="9601200" cy="1485900"/>
+          </a:xfrm>
+          <a:prstGeom prst="rect">
+            <a:avLst/>
+          </a:prstGeom>
+        </p:spPr>
+        <p:txBody>
+          <a:bodyPr vert="horz" lIns="91440" tIns="45720" rIns="91440" bIns="45720" rtlCol="0" anchor="t">
+            <a:normAutofit/>
+          </a:bodyPr>
+          <a:lstStyle/>
+          <a:p>
+            <a:r>
+              <a:rPr lang="hu-HU"/>
+              <a:t>Mintacím szerkesztése</a:t>
+            </a:r>
+            <a:endParaRPr lang="en-US" dirty="0"/>
+          </a:p>
+        </p:txBody>
+      </p:sp>
+      <p:sp>
+        <p:nvSpPr>
+          <p:cNvPr id="3" name="Text Placeholder 2"/>
+          <p:cNvSpPr>
+            <a:spLocks noGrp="1"/>
+          </p:cNvSpPr>
+          <p:nvPr>
+            <p:ph type="body" idx="1"/>
+          </p:nvPr>
+        </p:nvSpPr>
+        <p:spPr>
+          <a:xfrm>
+            <a:off x="1371600" y="2286000"/>
+            <a:ext cx="9601200" cy="3581400"/>
+          </a:xfrm>
+          <a:prstGeom prst="rect">
+            <a:avLst/>
+          </a:prstGeom>
+        </p:spPr>
+        <p:txBody>
+          <a:bodyPr vert="horz" lIns="91440" tIns="45720" rIns="91440" bIns="45720" rtlCol="0">
+            <a:normAutofit/>
+          </a:bodyPr>
+          <a:lstStyle/>
+          <a:p>
+            <a:pPr lvl="0"/>
+            <a:r>
+              <a:rPr lang="hu-HU"/>
+              <a:t>Mintaszöveg szerkesztése</a:t>
+            </a:r>
+          </a:p>
+          <a:p>
+            <a:pPr lvl="1"/>
+            <a:r>
+              <a:rPr lang="hu-HU"/>
+              <a:t>Második szint</a:t>
+            </a:r>
+          </a:p>
+          <a:p>
+            <a:pPr lvl="2"/>
+            <a:r>
+              <a:rPr lang="hu-HU"/>
+              <a:t>Harmadik szint</a:t>
+            </a:r>
+          </a:p>
+          <a:p>
+            <a:pPr lvl="3"/>
+            <a:r>
+              <a:rPr lang="hu-HU"/>
+              <a:t>Negyedik szint</a:t>
+            </a:r>
+          </a:p>
+          <a:p>
+            <a:pPr lvl="4"/>
+            <a:r>
+              <a:rPr lang="hu-HU"/>
+              <a:t>Ötödik szint</a:t>
+            </a:r>
+            <a:endParaRPr lang="en-US" dirty="0"/>
+          </a:p>
+        </p:txBody>
+      </p:sp>
+      <p:sp>
+        <p:nvSpPr>
+          <p:cNvPr id="4" name="Date Placeholder 3"/>
+          <p:cNvSpPr>
+            <a:spLocks noGrp="1"/>
+          </p:cNvSpPr>
+          <p:nvPr>
+            <p:ph type="dt" sz="half" idx="2"/>
+          </p:nvPr>
+        </p:nvSpPr>
+        <p:spPr>
+          <a:xfrm>
+            <a:off x="1390650" y="6453386"/>
+            <a:ext cx="1204572" cy="404614"/>
+          </a:xfrm>
+          <a:prstGeom prst="rect">
+            <a:avLst/>
+          </a:prstGeom>
+        </p:spPr>
+        <p:txBody>
+          <a:bodyPr vert="horz" lIns="91440" tIns="45720" rIns="91440" bIns="45720" rtlCol="0" anchor="ctr"/>
+          <a:lstStyle>
+            <a:lvl1pPr algn="l">
+              <a:defRPr sz="1200" baseline="0">
+                <a:solidFill>
+                  <a:schemeClr val="tx2"/>
+                </a:solidFill>
+              </a:defRPr>
+            </a:lvl1pPr>
+          </a:lstStyle>
+          <a:p>
+            <a:fld id="{129950DD-C43F-43A6-A0D6-586CE2C100B3}" type="datetimeFigureOut">
+              <a:rPr lang="hu-HU" smtClean="0"/>
+              <a:t>2026. 01. 22.</a:t>
+            </a:fld>
+            <a:endParaRPr lang="hu-HU"/>
+          </a:p>
+        </p:txBody>
+      </p:sp>
+      <p:sp>
+        <p:nvSpPr>
+          <p:cNvPr id="5" name="Footer Placeholder 4"/>
+          <p:cNvSpPr>
+            <a:spLocks noGrp="1"/>
+          </p:cNvSpPr>
+          <p:nvPr>
+            <p:ph type="ftr" sz="quarter" idx="3"/>
+          </p:nvPr>
+        </p:nvSpPr>
+        <p:spPr>
+          <a:xfrm>
+            <a:off x="2893564" y="6453386"/>
+            <a:ext cx="6280830" cy="404614"/>
+          </a:xfrm>
+          <a:prstGeom prst="rect">
+            <a:avLst/>
+          </a:prstGeom>
+        </p:spPr>
+        <p:txBody>
+          <a:bodyPr vert="horz" lIns="91440" tIns="45720" rIns="91440" bIns="45720" rtlCol="0" anchor="ctr"/>
+          <a:lstStyle>
+            <a:lvl1pPr algn="l">
+              <a:defRPr sz="1200" baseline="0">
+                <a:solidFill>
+                  <a:schemeClr val="tx2"/>
+                </a:solidFill>
+              </a:defRPr>
+            </a:lvl1pPr>
+          </a:lstStyle>
+          <a:p>
+            <a:endParaRPr lang="hu-HU"/>
+          </a:p>
+        </p:txBody>
+      </p:sp>
+      <p:sp>
+        <p:nvSpPr>
+          <p:cNvPr id="6" name="Slide Number Placeholder 5"/>
+          <p:cNvSpPr>
+            <a:spLocks noGrp="1"/>
+          </p:cNvSpPr>
+          <p:nvPr>
+            <p:ph type="sldNum" sz="quarter" idx="4"/>
+          </p:nvPr>
+        </p:nvSpPr>
+        <p:spPr>
+          <a:xfrm>
+            <a:off x="9472736" y="6453386"/>
+            <a:ext cx="1596292" cy="404614"/>
+          </a:xfrm>
+          <a:prstGeom prst="rect">
+            <a:avLst/>
+          </a:prstGeom>
+        </p:spPr>
+        <p:txBody>
+          <a:bodyPr vert="horz" lIns="91440" tIns="45720" rIns="91440" bIns="45720" rtlCol="0" anchor="ctr"/>
+          <a:lstStyle>
+            <a:lvl1pPr algn="r">
+              <a:defRPr sz="1200" baseline="0">
+                <a:solidFill>
+                  <a:schemeClr val="tx2"/>
+                </a:solidFill>
+              </a:defRPr>
+            </a:lvl1pPr>
+          </a:lstStyle>
+          <a:p>
+            <a:fld id="{9ED9EF6D-EAB9-462E-9614-3F8F3BBE850D}" type="slidenum">
+              <a:rPr lang="hu-HU" smtClean="0"/>
+              <a:t>‹#›</a:t>
+            </a:fld>
+            <a:endParaRPr lang="hu-HU"/>
+          </a:p>
+        </p:txBody>
+      </p:sp>
+      <p:sp>
+        <p:nvSpPr>
+          <p:cNvPr id="9" name="Rectangle 8" title="Side bar"/>
           <p:cNvSpPr/>
           <p:nvPr/>
         </p:nvSpPr>
         <p:spPr>
           <a:xfrm>
-            <a:off x="1" y="6400800"/>
-            <a:ext cx="12192000" cy="457200"/>
+            <a:off x="478095" y="376"/>
+            <a:ext cx="228600" cy="6858000"/>
           </a:xfrm>
           <a:prstGeom prst="rect">
             <a:avLst/>
           </a:prstGeom>
           <a:solidFill>
-            <a:schemeClr val="accent2"/>
+            <a:schemeClr val="tx2"/>
           </a:solidFill>
           <a:ln>
             <a:noFill/>
@@ -3125,327 +3458,40 @@
           </a:fontRef>
         </p:style>
       </p:sp>
-      <p:sp>
-        <p:nvSpPr>
-          <p:cNvPr id="9" name="Rectangle 8"/>
-          <p:cNvSpPr/>
-          <p:nvPr/>
-        </p:nvSpPr>
-        <p:spPr>
-          <a:xfrm>
-            <a:off x="0" y="6334316"/>
-            <a:ext cx="12192001" cy="65998"/>
-          </a:xfrm>
-          <a:prstGeom prst="rect">
-            <a:avLst/>
-          </a:prstGeom>
-          <a:solidFill>
-            <a:schemeClr val="accent1"/>
-          </a:solidFill>
-          <a:ln>
-            <a:noFill/>
-          </a:ln>
-        </p:spPr>
-        <p:style>
-          <a:lnRef idx="2">
-            <a:schemeClr val="accent1">
-              <a:shade val="50000"/>
-            </a:schemeClr>
-          </a:lnRef>
-          <a:fillRef idx="1">
-            <a:schemeClr val="accent1"/>
-          </a:fillRef>
-          <a:effectRef idx="0">
-            <a:schemeClr val="accent1"/>
-          </a:effectRef>
-          <a:fontRef idx="minor">
-            <a:schemeClr val="lt1"/>
-          </a:fontRef>
-        </p:style>
-      </p:sp>
-      <p:sp>
-        <p:nvSpPr>
-          <p:cNvPr id="2" name="Title Placeholder 1"/>
-          <p:cNvSpPr>
-            <a:spLocks noGrp="1"/>
-          </p:cNvSpPr>
-          <p:nvPr>
-            <p:ph type="title"/>
-          </p:nvPr>
-        </p:nvSpPr>
-        <p:spPr>
-          <a:xfrm>
-            <a:off x="1097280" y="286603"/>
-            <a:ext cx="10058400" cy="1450757"/>
-          </a:xfrm>
-          <a:prstGeom prst="rect">
-            <a:avLst/>
-          </a:prstGeom>
-        </p:spPr>
-        <p:txBody>
-          <a:bodyPr vert="horz" lIns="91440" tIns="45720" rIns="91440" bIns="45720" rtlCol="0" anchor="b">
-            <a:normAutofit/>
-          </a:bodyPr>
-          <a:lstStyle/>
-          <a:p>
-            <a:r>
-              <a:rPr lang="hu-HU"/>
-              <a:t>Mintacím szerkesztése</a:t>
-            </a:r>
-            <a:endParaRPr lang="en-US" dirty="0"/>
-          </a:p>
-        </p:txBody>
-      </p:sp>
-      <p:sp>
-        <p:nvSpPr>
-          <p:cNvPr id="3" name="Text Placeholder 2"/>
-          <p:cNvSpPr>
-            <a:spLocks noGrp="1"/>
-          </p:cNvSpPr>
-          <p:nvPr>
-            <p:ph type="body" idx="1"/>
-          </p:nvPr>
-        </p:nvSpPr>
-        <p:spPr>
-          <a:xfrm>
-            <a:off x="1097280" y="1845734"/>
-            <a:ext cx="10058400" cy="4023360"/>
-          </a:xfrm>
-          <a:prstGeom prst="rect">
-            <a:avLst/>
-          </a:prstGeom>
-        </p:spPr>
-        <p:txBody>
-          <a:bodyPr vert="horz" lIns="0" tIns="45720" rIns="0" bIns="45720" rtlCol="0">
-            <a:normAutofit/>
-          </a:bodyPr>
-          <a:lstStyle/>
-          <a:p>
-            <a:pPr lvl="0"/>
-            <a:r>
-              <a:rPr lang="hu-HU"/>
-              <a:t>Mintaszöveg szerkesztése</a:t>
-            </a:r>
-          </a:p>
-          <a:p>
-            <a:pPr lvl="1"/>
-            <a:r>
-              <a:rPr lang="hu-HU"/>
-              <a:t>Második szint</a:t>
-            </a:r>
-          </a:p>
-          <a:p>
-            <a:pPr lvl="2"/>
-            <a:r>
-              <a:rPr lang="hu-HU"/>
-              <a:t>Harmadik szint</a:t>
-            </a:r>
-          </a:p>
-          <a:p>
-            <a:pPr lvl="3"/>
-            <a:r>
-              <a:rPr lang="hu-HU"/>
-              <a:t>Negyedik szint</a:t>
-            </a:r>
-          </a:p>
-          <a:p>
-            <a:pPr lvl="4"/>
-            <a:r>
-              <a:rPr lang="hu-HU"/>
-              <a:t>Ötödik szint</a:t>
-            </a:r>
-            <a:endParaRPr lang="en-US" dirty="0"/>
-          </a:p>
-        </p:txBody>
-      </p:sp>
-      <p:sp>
-        <p:nvSpPr>
-          <p:cNvPr id="4" name="Date Placeholder 3"/>
-          <p:cNvSpPr>
-            <a:spLocks noGrp="1"/>
-          </p:cNvSpPr>
-          <p:nvPr>
-            <p:ph type="dt" sz="half" idx="2"/>
-          </p:nvPr>
-        </p:nvSpPr>
-        <p:spPr>
-          <a:xfrm>
-            <a:off x="1097280" y="6459785"/>
-            <a:ext cx="2472271" cy="365125"/>
-          </a:xfrm>
-          <a:prstGeom prst="rect">
-            <a:avLst/>
-          </a:prstGeom>
-        </p:spPr>
-        <p:txBody>
-          <a:bodyPr vert="horz" lIns="91440" tIns="45720" rIns="91440" bIns="45720" rtlCol="0" anchor="ctr"/>
-          <a:lstStyle>
-            <a:lvl1pPr algn="l">
-              <a:defRPr sz="900">
-                <a:solidFill>
-                  <a:srgbClr val="FFFFFF"/>
-                </a:solidFill>
-              </a:defRPr>
-            </a:lvl1pPr>
-          </a:lstStyle>
-          <a:p>
-            <a:fld id="{129950DD-C43F-43A6-A0D6-586CE2C100B3}" type="datetimeFigureOut">
-              <a:rPr lang="hu-HU" smtClean="0"/>
-              <a:t>2026. 01. 22.</a:t>
-            </a:fld>
-            <a:endParaRPr lang="hu-HU"/>
-          </a:p>
-        </p:txBody>
-      </p:sp>
-      <p:sp>
-        <p:nvSpPr>
-          <p:cNvPr id="5" name="Footer Placeholder 4"/>
-          <p:cNvSpPr>
-            <a:spLocks noGrp="1"/>
-          </p:cNvSpPr>
-          <p:nvPr>
-            <p:ph type="ftr" sz="quarter" idx="3"/>
-          </p:nvPr>
-        </p:nvSpPr>
-        <p:spPr>
-          <a:xfrm>
-            <a:off x="3686185" y="6459785"/>
-            <a:ext cx="4822804" cy="365125"/>
-          </a:xfrm>
-          <a:prstGeom prst="rect">
-            <a:avLst/>
-          </a:prstGeom>
-        </p:spPr>
-        <p:txBody>
-          <a:bodyPr vert="horz" lIns="91440" tIns="45720" rIns="91440" bIns="45720" rtlCol="0" anchor="ctr"/>
-          <a:lstStyle>
-            <a:lvl1pPr algn="ctr">
-              <a:defRPr sz="900" cap="all" baseline="0">
-                <a:solidFill>
-                  <a:srgbClr val="FFFFFF"/>
-                </a:solidFill>
-              </a:defRPr>
-            </a:lvl1pPr>
-          </a:lstStyle>
-          <a:p>
-            <a:endParaRPr lang="hu-HU"/>
-          </a:p>
-        </p:txBody>
-      </p:sp>
-      <p:sp>
-        <p:nvSpPr>
-          <p:cNvPr id="6" name="Slide Number Placeholder 5"/>
-          <p:cNvSpPr>
-            <a:spLocks noGrp="1"/>
-          </p:cNvSpPr>
-          <p:nvPr>
-            <p:ph type="sldNum" sz="quarter" idx="4"/>
-          </p:nvPr>
-        </p:nvSpPr>
-        <p:spPr>
-          <a:xfrm>
-            <a:off x="9900458" y="6459785"/>
-            <a:ext cx="1312025" cy="365125"/>
-          </a:xfrm>
-          <a:prstGeom prst="rect">
-            <a:avLst/>
-          </a:prstGeom>
-        </p:spPr>
-        <p:txBody>
-          <a:bodyPr vert="horz" lIns="91440" tIns="45720" rIns="91440" bIns="45720" rtlCol="0" anchor="ctr"/>
-          <a:lstStyle>
-            <a:lvl1pPr algn="r">
-              <a:defRPr sz="1050">
-                <a:solidFill>
-                  <a:srgbClr val="FFFFFF"/>
-                </a:solidFill>
-              </a:defRPr>
-            </a:lvl1pPr>
-          </a:lstStyle>
-          <a:p>
-            <a:fld id="{9ED9EF6D-EAB9-462E-9614-3F8F3BBE850D}" type="slidenum">
-              <a:rPr lang="hu-HU" smtClean="0"/>
-              <a:t>‹#›</a:t>
-            </a:fld>
-            <a:endParaRPr lang="hu-HU"/>
-          </a:p>
-        </p:txBody>
-      </p:sp>
-      <p:cxnSp>
-        <p:nvCxnSpPr>
-          <p:cNvPr id="10" name="Straight Connector 9"/>
-          <p:cNvCxnSpPr/>
-          <p:nvPr/>
-        </p:nvCxnSpPr>
-        <p:spPr>
-          <a:xfrm>
-            <a:off x="1193532" y="1737845"/>
-            <a:ext cx="9966960" cy="0"/>
-          </a:xfrm>
-          <a:prstGeom prst="line">
-            <a:avLst/>
-          </a:prstGeom>
-          <a:ln w="6350">
-            <a:solidFill>
-              <a:schemeClr val="tx1">
-                <a:lumMod val="50000"/>
-                <a:lumOff val="50000"/>
-              </a:schemeClr>
-            </a:solidFill>
-          </a:ln>
-        </p:spPr>
-        <p:style>
-          <a:lnRef idx="1">
-            <a:schemeClr val="accent1"/>
-          </a:lnRef>
-          <a:fillRef idx="0">
-            <a:schemeClr val="accent1"/>
-          </a:fillRef>
-          <a:effectRef idx="0">
-            <a:schemeClr val="accent1"/>
-          </a:effectRef>
-          <a:fontRef idx="minor">
-            <a:schemeClr val="tx1"/>
-          </a:fontRef>
-        </p:style>
-      </p:cxnSp>
     </p:spTree>
     <p:extLst>
       <p:ext uri="{BB962C8B-B14F-4D97-AF65-F5344CB8AC3E}">
-        <p14:creationId xmlns:p14="http://schemas.microsoft.com/office/powerpoint/2010/main" val="2839018914"/>
+        <p14:creationId xmlns:p14="http://schemas.microsoft.com/office/powerpoint/2010/main" val="730065617"/>
       </p:ext>
     </p:extLst>
   </p:cSld>
   <p:clrMap bg1="lt1" tx1="dk1" bg2="lt2" tx2="dk2" accent1="accent1" accent2="accent2" accent3="accent3" accent4="accent4" accent5="accent5" accent6="accent6" hlink="hlink" folHlink="folHlink"/>
   <p:sldLayoutIdLst>
-    <p:sldLayoutId id="2147483661" r:id="rId1"/>
-    <p:sldLayoutId id="2147483662" r:id="rId2"/>
-    <p:sldLayoutId id="2147483663" r:id="rId3"/>
-    <p:sldLayoutId id="2147483664" r:id="rId4"/>
-    <p:sldLayoutId id="2147483665" r:id="rId5"/>
-    <p:sldLayoutId id="2147483666" r:id="rId6"/>
-    <p:sldLayoutId id="2147483667" r:id="rId7"/>
-    <p:sldLayoutId id="2147483668" r:id="rId8"/>
-    <p:sldLayoutId id="2147483669" r:id="rId9"/>
-    <p:sldLayoutId id="2147483670" r:id="rId10"/>
-    <p:sldLayoutId id="2147483671" r:id="rId11"/>
+    <p:sldLayoutId id="2147483673" r:id="rId1"/>
+    <p:sldLayoutId id="2147483674" r:id="rId2"/>
+    <p:sldLayoutId id="2147483675" r:id="rId3"/>
+    <p:sldLayoutId id="2147483676" r:id="rId4"/>
+    <p:sldLayoutId id="2147483677" r:id="rId5"/>
+    <p:sldLayoutId id="2147483678" r:id="rId6"/>
+    <p:sldLayoutId id="2147483679" r:id="rId7"/>
+    <p:sldLayoutId id="2147483680" r:id="rId8"/>
+    <p:sldLayoutId id="2147483681" r:id="rId9"/>
+    <p:sldLayoutId id="2147483682" r:id="rId10"/>
+    <p:sldLayoutId id="2147483683" r:id="rId11"/>
   </p:sldLayoutIdLst>
   <p:txStyles>
     <p:titleStyle>
       <a:lvl1pPr algn="l" defTabSz="914400" rtl="0" eaLnBrk="1" latinLnBrk="0" hangingPunct="1">
         <a:lnSpc>
-          <a:spcPct val="85000"/>
+          <a:spcPct val="89000"/>
         </a:lnSpc>
         <a:spcBef>
           <a:spcPct val="0"/>
         </a:spcBef>
         <a:buNone/>
-        <a:defRPr sz="4800" kern="1200" spc="-50" baseline="0">
+        <a:defRPr sz="4400" kern="1200" baseline="0">
           <a:solidFill>
-            <a:schemeClr val="tx1">
-              <a:lumMod val="75000"/>
-              <a:lumOff val="25000"/>
-            </a:schemeClr>
+            <a:schemeClr val="tx2"/>
           </a:solidFill>
           <a:latin typeface="+mj-lt"/>
           <a:ea typeface="+mj-ea"/>
@@ -3454,244 +3500,189 @@
       </a:lvl1pPr>
     </p:titleStyle>
     <p:bodyStyle>
-      <a:lvl1pPr marL="91440" indent="-91440" algn="l" defTabSz="914400" rtl="0" eaLnBrk="1" latinLnBrk="0" hangingPunct="1">
+      <a:lvl1pPr marL="384048" indent="-384048" algn="l" defTabSz="914400" rtl="0" eaLnBrk="1" latinLnBrk="0" hangingPunct="1">
         <a:lnSpc>
-          <a:spcPct val="90000"/>
+          <a:spcPct val="94000"/>
         </a:lnSpc>
         <a:spcBef>
-          <a:spcPts val="1200"/>
+          <a:spcPts val="1000"/>
         </a:spcBef>
         <a:spcAft>
           <a:spcPts val="200"/>
         </a:spcAft>
-        <a:buClr>
-          <a:schemeClr val="accent1"/>
-        </a:buClr>
-        <a:buSzPct val="100000"/>
-        <a:buFont typeface="Calibri" panose="020F0502020204030204" pitchFamily="34" charset="0"/>
-        <a:buChar char=" "/>
-        <a:defRPr sz="2000" kern="1200">
+        <a:buFont typeface="Franklin Gothic Book" panose="020B0503020102020204" pitchFamily="34" charset="0"/>
+        <a:buChar char="■"/>
+        <a:defRPr sz="2000" kern="1200" baseline="0">
           <a:solidFill>
-            <a:schemeClr val="tx1">
-              <a:lumMod val="75000"/>
-              <a:lumOff val="25000"/>
-            </a:schemeClr>
+            <a:schemeClr val="tx2"/>
           </a:solidFill>
           <a:latin typeface="+mn-lt"/>
           <a:ea typeface="+mn-ea"/>
           <a:cs typeface="+mn-cs"/>
         </a:defRPr>
       </a:lvl1pPr>
-      <a:lvl2pPr marL="384048" indent="-182880" algn="l" defTabSz="914400" rtl="0" eaLnBrk="1" latinLnBrk="0" hangingPunct="1">
+      <a:lvl2pPr marL="914400" indent="-384048" algn="l" defTabSz="914400" rtl="0" eaLnBrk="1" latinLnBrk="0" hangingPunct="1">
         <a:lnSpc>
-          <a:spcPct val="90000"/>
+          <a:spcPct val="94000"/>
         </a:lnSpc>
         <a:spcBef>
-          <a:spcPts val="200"/>
+          <a:spcPts val="500"/>
         </a:spcBef>
         <a:spcAft>
-          <a:spcPts val="400"/>
+          <a:spcPts val="200"/>
         </a:spcAft>
-        <a:buClr>
-          <a:schemeClr val="accent1"/>
-        </a:buClr>
-        <a:buFont typeface="Calibri" pitchFamily="34" charset="0"/>
-        <a:buChar char="◦"/>
-        <a:defRPr sz="1800" kern="1200">
+        <a:buFont typeface="Franklin Gothic Book" panose="020B0503020102020204" pitchFamily="34" charset="0"/>
+        <a:buChar char="–"/>
+        <a:defRPr sz="2000" i="1" kern="1200" baseline="0">
           <a:solidFill>
-            <a:schemeClr val="tx1">
-              <a:lumMod val="75000"/>
-              <a:lumOff val="25000"/>
-            </a:schemeClr>
+            <a:schemeClr val="tx2"/>
           </a:solidFill>
           <a:latin typeface="+mn-lt"/>
           <a:ea typeface="+mn-ea"/>
           <a:cs typeface="+mn-cs"/>
         </a:defRPr>
       </a:lvl2pPr>
-      <a:lvl3pPr marL="566928" indent="-182880" algn="l" defTabSz="914400" rtl="0" eaLnBrk="1" latinLnBrk="0" hangingPunct="1">
+      <a:lvl3pPr marL="1371600" indent="-384048" algn="l" defTabSz="914400" rtl="0" eaLnBrk="1" latinLnBrk="0" hangingPunct="1">
         <a:lnSpc>
-          <a:spcPct val="90000"/>
+          <a:spcPct val="94000"/>
         </a:lnSpc>
         <a:spcBef>
-          <a:spcPts val="200"/>
+          <a:spcPts val="500"/>
         </a:spcBef>
         <a:spcAft>
-          <a:spcPts val="400"/>
+          <a:spcPts val="200"/>
         </a:spcAft>
-        <a:buClr>
-          <a:schemeClr val="accent1"/>
-        </a:buClr>
-        <a:buFont typeface="Calibri" pitchFamily="34" charset="0"/>
-        <a:buChar char="◦"/>
-        <a:defRPr sz="1400" kern="1200">
+        <a:buFont typeface="Franklin Gothic Book" panose="020B0503020102020204" pitchFamily="34" charset="0"/>
+        <a:buChar char="■"/>
+        <a:defRPr sz="1800" kern="1200" baseline="0">
           <a:solidFill>
-            <a:schemeClr val="tx1">
-              <a:lumMod val="75000"/>
-              <a:lumOff val="25000"/>
-            </a:schemeClr>
+            <a:schemeClr val="tx2"/>
           </a:solidFill>
           <a:latin typeface="+mn-lt"/>
           <a:ea typeface="+mn-ea"/>
           <a:cs typeface="+mn-cs"/>
         </a:defRPr>
       </a:lvl3pPr>
-      <a:lvl4pPr marL="749808" indent="-182880" algn="l" defTabSz="914400" rtl="0" eaLnBrk="1" latinLnBrk="0" hangingPunct="1">
+      <a:lvl4pPr marL="1828800" indent="-384048" algn="l" defTabSz="914400" rtl="0" eaLnBrk="1" latinLnBrk="0" hangingPunct="1">
         <a:lnSpc>
-          <a:spcPct val="90000"/>
+          <a:spcPct val="94000"/>
         </a:lnSpc>
         <a:spcBef>
-          <a:spcPts val="200"/>
+          <a:spcPts val="500"/>
         </a:spcBef>
         <a:spcAft>
-          <a:spcPts val="400"/>
+          <a:spcPts val="200"/>
         </a:spcAft>
-        <a:buClr>
-          <a:schemeClr val="accent1"/>
-        </a:buClr>
-        <a:buFont typeface="Calibri" pitchFamily="34" charset="0"/>
-        <a:buChar char="◦"/>
-        <a:defRPr sz="1400" kern="1200">
+        <a:buFont typeface="Franklin Gothic Book" panose="020B0503020102020204" pitchFamily="34" charset="0"/>
+        <a:buChar char="–"/>
+        <a:defRPr sz="1800" i="1" kern="1200" baseline="0">
           <a:solidFill>
-            <a:schemeClr val="tx1">
-              <a:lumMod val="75000"/>
-              <a:lumOff val="25000"/>
-            </a:schemeClr>
+            <a:schemeClr val="tx2"/>
           </a:solidFill>
           <a:latin typeface="+mn-lt"/>
           <a:ea typeface="+mn-ea"/>
           <a:cs typeface="+mn-cs"/>
         </a:defRPr>
       </a:lvl4pPr>
-      <a:lvl5pPr marL="932688" indent="-182880" algn="l" defTabSz="914400" rtl="0" eaLnBrk="1" latinLnBrk="0" hangingPunct="1">
+      <a:lvl5pPr marL="2286000" indent="-384048" algn="l" defTabSz="914400" rtl="0" eaLnBrk="1" latinLnBrk="0" hangingPunct="1">
         <a:lnSpc>
-          <a:spcPct val="90000"/>
+          <a:spcPct val="94000"/>
         </a:lnSpc>
         <a:spcBef>
-          <a:spcPts val="200"/>
+          <a:spcPts val="500"/>
         </a:spcBef>
         <a:spcAft>
-          <a:spcPts val="400"/>
+          <a:spcPts val="200"/>
         </a:spcAft>
-        <a:buClr>
-          <a:schemeClr val="accent1"/>
-        </a:buClr>
-        <a:buFont typeface="Calibri" pitchFamily="34" charset="0"/>
-        <a:buChar char="◦"/>
-        <a:defRPr sz="1400" kern="1200">
+        <a:buFont typeface="Franklin Gothic Book" panose="020B0503020102020204" pitchFamily="34" charset="0"/>
+        <a:buChar char="■"/>
+        <a:defRPr sz="1600" kern="1200" baseline="0">
           <a:solidFill>
-            <a:schemeClr val="tx1">
-              <a:lumMod val="75000"/>
-              <a:lumOff val="25000"/>
-            </a:schemeClr>
+            <a:schemeClr val="tx2"/>
           </a:solidFill>
           <a:latin typeface="+mn-lt"/>
           <a:ea typeface="+mn-ea"/>
           <a:cs typeface="+mn-cs"/>
         </a:defRPr>
       </a:lvl5pPr>
-      <a:lvl6pPr marL="1100000" indent="-228600" algn="l" defTabSz="914400" rtl="0" eaLnBrk="1" latinLnBrk="0" hangingPunct="1">
+      <a:lvl6pPr marL="2743200" indent="-384048" algn="l" defTabSz="914400" rtl="0" eaLnBrk="1" latinLnBrk="0" hangingPunct="1">
         <a:lnSpc>
-          <a:spcPct val="90000"/>
+          <a:spcPct val="94000"/>
         </a:lnSpc>
         <a:spcBef>
-          <a:spcPts val="200"/>
+          <a:spcPts val="500"/>
         </a:spcBef>
         <a:spcAft>
-          <a:spcPts val="400"/>
+          <a:spcPts val="200"/>
         </a:spcAft>
-        <a:buClr>
-          <a:schemeClr val="accent1"/>
-        </a:buClr>
-        <a:buFont typeface="Calibri" pitchFamily="34" charset="0"/>
-        <a:buChar char="◦"/>
-        <a:defRPr sz="1400" kern="1200">
+        <a:buFont typeface="Franklin Gothic Book" panose="020B0503020102020204" pitchFamily="34" charset="0"/>
+        <a:buChar char="–"/>
+        <a:defRPr sz="1600" i="1" kern="1200" baseline="0">
           <a:solidFill>
-            <a:schemeClr val="tx1">
-              <a:lumMod val="75000"/>
-              <a:lumOff val="25000"/>
-            </a:schemeClr>
+            <a:schemeClr val="tx2"/>
           </a:solidFill>
           <a:latin typeface="+mn-lt"/>
           <a:ea typeface="+mn-ea"/>
           <a:cs typeface="+mn-cs"/>
         </a:defRPr>
       </a:lvl6pPr>
-      <a:lvl7pPr marL="1300000" indent="-228600" algn="l" defTabSz="914400" rtl="0" eaLnBrk="1" latinLnBrk="0" hangingPunct="1">
+      <a:lvl7pPr marL="3200400" indent="-384048" algn="l" defTabSz="914400" rtl="0" eaLnBrk="1" latinLnBrk="0" hangingPunct="1">
         <a:lnSpc>
-          <a:spcPct val="90000"/>
+          <a:spcPct val="94000"/>
         </a:lnSpc>
         <a:spcBef>
-          <a:spcPts val="200"/>
+          <a:spcPts val="500"/>
         </a:spcBef>
         <a:spcAft>
-          <a:spcPts val="400"/>
+          <a:spcPts val="200"/>
         </a:spcAft>
-        <a:buClr>
-          <a:schemeClr val="accent1"/>
-        </a:buClr>
-        <a:buFont typeface="Calibri" pitchFamily="34" charset="0"/>
-        <a:buChar char="◦"/>
-        <a:defRPr sz="1400" kern="1200">
+        <a:buFont typeface="Franklin Gothic Book" panose="020B0503020102020204" pitchFamily="34" charset="0"/>
+        <a:buChar char="■"/>
+        <a:defRPr sz="1400" kern="1200" baseline="0">
           <a:solidFill>
-            <a:schemeClr val="tx1">
-              <a:lumMod val="75000"/>
-              <a:lumOff val="25000"/>
-            </a:schemeClr>
+            <a:schemeClr val="tx2"/>
           </a:solidFill>
           <a:latin typeface="+mn-lt"/>
           <a:ea typeface="+mn-ea"/>
           <a:cs typeface="+mn-cs"/>
         </a:defRPr>
       </a:lvl7pPr>
-      <a:lvl8pPr marL="1500000" indent="-228600" algn="l" defTabSz="914400" rtl="0" eaLnBrk="1" latinLnBrk="0" hangingPunct="1">
+      <a:lvl8pPr marL="3657600" indent="-384048" algn="l" defTabSz="914400" rtl="0" eaLnBrk="1" latinLnBrk="0" hangingPunct="1">
         <a:lnSpc>
-          <a:spcPct val="90000"/>
+          <a:spcPct val="94000"/>
         </a:lnSpc>
         <a:spcBef>
-          <a:spcPts val="200"/>
+          <a:spcPts val="500"/>
         </a:spcBef>
         <a:spcAft>
-          <a:spcPts val="400"/>
+          <a:spcPts val="200"/>
         </a:spcAft>
-        <a:buClr>
-          <a:schemeClr val="accent1"/>
-        </a:buClr>
-        <a:buFont typeface="Calibri" pitchFamily="34" charset="0"/>
-        <a:buChar char="◦"/>
-        <a:defRPr sz="1400" kern="1200">
+        <a:buFont typeface="Franklin Gothic Book" panose="020B0503020102020204" pitchFamily="34" charset="0"/>
+        <a:buChar char="–"/>
+        <a:defRPr sz="1400" i="1" kern="1200" baseline="0">
           <a:solidFill>
-            <a:schemeClr val="tx1">
-              <a:lumMod val="75000"/>
-              <a:lumOff val="25000"/>
-            </a:schemeClr>
+            <a:schemeClr val="tx2"/>
           </a:solidFill>
           <a:latin typeface="+mn-lt"/>
           <a:ea typeface="+mn-ea"/>
           <a:cs typeface="+mn-cs"/>
         </a:defRPr>
       </a:lvl8pPr>
-      <a:lvl9pPr marL="1700000" indent="-228600" algn="l" defTabSz="914400" rtl="0" eaLnBrk="1" latinLnBrk="0" hangingPunct="1">
+      <a:lvl9pPr marL="4114800" indent="-384048" algn="l" defTabSz="914400" rtl="0" eaLnBrk="1" latinLnBrk="0" hangingPunct="1">
         <a:lnSpc>
-          <a:spcPct val="90000"/>
+          <a:spcPct val="94000"/>
         </a:lnSpc>
         <a:spcBef>
-          <a:spcPts val="200"/>
+          <a:spcPts val="500"/>
         </a:spcBef>
         <a:spcAft>
-          <a:spcPts val="400"/>
+          <a:spcPts val="200"/>
         </a:spcAft>
-        <a:buClr>
-          <a:schemeClr val="accent1"/>
-        </a:buClr>
-        <a:buFont typeface="Calibri" pitchFamily="34" charset="0"/>
-        <a:buChar char="◦"/>
-        <a:defRPr sz="1400" kern="1200">
+        <a:buFont typeface="Franklin Gothic Book" panose="020B0503020102020204" pitchFamily="34" charset="0"/>
+        <a:buChar char="■"/>
+        <a:defRPr sz="1400" kern="1200" baseline="0">
           <a:solidFill>
-            <a:schemeClr val="tx1">
-              <a:lumMod val="75000"/>
-              <a:lumOff val="25000"/>
-            </a:schemeClr>
+            <a:schemeClr val="tx2"/>
           </a:solidFill>
           <a:latin typeface="+mn-lt"/>
           <a:ea typeface="+mn-ea"/>
@@ -3795,6 +3786,52 @@
       </a:lvl9pPr>
     </p:otherStyle>
   </p:txStyles>
+  <p:extLst mod="1">
+    <p:ext uri="{27BBF7A9-308A-43DC-89C8-2F10F3537804}">
+      <p15:sldGuideLst xmlns:p15="http://schemas.microsoft.com/office/powerpoint/2012/main">
+        <p15:guide id="3" orient="horz" pos="1368">
+          <p15:clr>
+            <a:srgbClr val="F26B43"/>
+          </p15:clr>
+        </p15:guide>
+        <p15:guide id="4" orient="horz" pos="1440">
+          <p15:clr>
+            <a:srgbClr val="F26B43"/>
+          </p15:clr>
+        </p15:guide>
+        <p15:guide id="6" orient="horz" pos="3696">
+          <p15:clr>
+            <a:srgbClr val="F26B43"/>
+          </p15:clr>
+        </p15:guide>
+        <p15:guide id="7" orient="horz" pos="432">
+          <p15:clr>
+            <a:srgbClr val="F26B43"/>
+          </p15:clr>
+        </p15:guide>
+        <p15:guide id="8" orient="horz" pos="1512">
+          <p15:clr>
+            <a:srgbClr val="F26B43"/>
+          </p15:clr>
+        </p15:guide>
+        <p15:guide id="9" pos="6912">
+          <p15:clr>
+            <a:srgbClr val="F26B43"/>
+          </p15:clr>
+        </p15:guide>
+        <p15:guide id="10" pos="936">
+          <p15:clr>
+            <a:srgbClr val="F26B43"/>
+          </p15:clr>
+        </p15:guide>
+        <p15:guide id="11" pos="864">
+          <p15:clr>
+            <a:srgbClr val="F26B43"/>
+          </p15:clr>
+        </p15:guide>
+      </p15:sldGuideLst>
+    </p:ext>
+  </p:extLst>
 </p:sldMaster>
 </file>
 
@@ -3831,7 +3868,12 @@
             <p:ph type="ctrTitle"/>
           </p:nvPr>
         </p:nvSpPr>
-        <p:spPr/>
+        <p:spPr>
+          <a:xfrm>
+            <a:off x="1278384" y="1189609"/>
+            <a:ext cx="9676661" cy="3435658"/>
+          </a:xfrm>
+        </p:spPr>
         <p:txBody>
           <a:bodyPr>
             <a:noAutofit/>
@@ -3839,7 +3881,7 @@
           <a:lstStyle/>
           <a:p>
             <a:r>
-              <a:rPr lang="hu-HU" sz="13400" b="1" dirty="0"/>
+              <a:rPr lang="hu-HU" sz="11500" b="1" dirty="0"/>
               <a:t>Futás nyilvántartó</a:t>
             </a:r>
           </a:p>
@@ -3861,36 +3903,85 @@
             <p:ph type="subTitle" idx="1"/>
           </p:nvPr>
         </p:nvSpPr>
-        <p:spPr/>
-        <p:txBody>
-          <a:bodyPr/>
+        <p:spPr>
+          <a:xfrm>
+            <a:off x="2680163" y="4545367"/>
+            <a:ext cx="6831673" cy="727968"/>
+          </a:xfrm>
+        </p:spPr>
+        <p:txBody>
+          <a:bodyPr>
+            <a:normAutofit fontScale="92500"/>
+          </a:bodyPr>
           <a:lstStyle/>
           <a:p>
             <a:r>
-              <a:rPr lang="hu-HU" dirty="0"/>
+              <a:rPr lang="hu-HU" dirty="0">
+                <a:solidFill>
+                  <a:schemeClr val="bg1">
+                    <a:lumMod val="65000"/>
+                  </a:schemeClr>
+                </a:solidFill>
+              </a:rPr>
               <a:t>Készítette: Papp </a:t>
             </a:r>
             <a:r>
-              <a:rPr lang="hu-HU" dirty="0" err="1"/>
+              <a:rPr lang="hu-HU" dirty="0" err="1">
+                <a:solidFill>
+                  <a:schemeClr val="bg1">
+                    <a:lumMod val="65000"/>
+                  </a:schemeClr>
+                </a:solidFill>
+              </a:rPr>
               <a:t>Dominik,Németh</a:t>
             </a:r>
             <a:r>
-              <a:rPr lang="hu-HU" dirty="0"/>
+              <a:rPr lang="hu-HU" dirty="0">
+                <a:solidFill>
+                  <a:schemeClr val="bg1">
+                    <a:lumMod val="65000"/>
+                  </a:schemeClr>
+                </a:solidFill>
+              </a:rPr>
               <a:t> </a:t>
             </a:r>
             <a:r>
-              <a:rPr lang="hu-HU" dirty="0" err="1"/>
+              <a:rPr lang="hu-HU" dirty="0" err="1">
+                <a:solidFill>
+                  <a:schemeClr val="bg1">
+                    <a:lumMod val="65000"/>
+                  </a:schemeClr>
+                </a:solidFill>
+              </a:rPr>
               <a:t>imre</a:t>
             </a:r>
             <a:r>
-              <a:rPr lang="hu-HU" dirty="0"/>
+              <a:rPr lang="hu-HU" dirty="0">
+                <a:solidFill>
+                  <a:schemeClr val="bg1">
+                    <a:lumMod val="65000"/>
+                  </a:schemeClr>
+                </a:solidFill>
+              </a:rPr>
               <a:t> és Ádám </a:t>
             </a:r>
             <a:r>
-              <a:rPr lang="hu-HU" dirty="0" err="1"/>
+              <a:rPr lang="hu-HU" dirty="0" err="1">
+                <a:solidFill>
+                  <a:schemeClr val="bg1">
+                    <a:lumMod val="65000"/>
+                  </a:schemeClr>
+                </a:solidFill>
+              </a:rPr>
               <a:t>nándor</a:t>
             </a:r>
-            <a:endParaRPr lang="hu-HU" dirty="0"/>
+            <a:endParaRPr lang="hu-HU" dirty="0">
+              <a:solidFill>
+                <a:schemeClr val="bg1">
+                  <a:lumMod val="65000"/>
+                </a:schemeClr>
+              </a:solidFill>
+            </a:endParaRPr>
           </a:p>
         </p:txBody>
       </p:sp>
@@ -3899,7 +3990,7 @@
           <p:cNvPr id="5" name="Kép 4">
             <a:extLst>
               <a:ext uri="{FF2B5EF4-FFF2-40B4-BE49-F238E27FC236}">
-                <a16:creationId xmlns:a16="http://schemas.microsoft.com/office/drawing/2014/main" id="{32124A88-382E-42BD-BB8C-5C5B6185FD99}"/>
+                <a16:creationId xmlns:a16="http://schemas.microsoft.com/office/drawing/2014/main" id="{9CE71BA9-181A-40D1-9F96-F52FAF4ECF3B}"/>
               </a:ext>
             </a:extLst>
           </p:cNvPr>
@@ -3922,8 +4013,8 @@
         </p:blipFill>
         <p:spPr>
           <a:xfrm>
-            <a:off x="9177569" y="656570"/>
-            <a:ext cx="3014431" cy="3491619"/>
+            <a:off x="8378301" y="182594"/>
+            <a:ext cx="2418442" cy="2804142"/>
           </a:xfrm>
           <a:prstGeom prst="rect">
             <a:avLst/>
@@ -3940,6 +4031,18 @@
   <p:clrMapOvr>
     <a:masterClrMapping/>
   </p:clrMapOvr>
+  <mc:AlternateContent xmlns:mc="http://schemas.openxmlformats.org/markup-compatibility/2006" xmlns:p14="http://schemas.microsoft.com/office/powerpoint/2010/main">
+    <mc:Choice Requires="p14">
+      <p:transition spd="med" p14:dur="700">
+        <p:fade/>
+      </p:transition>
+    </mc:Choice>
+    <mc:Fallback xmlns="">
+      <p:transition spd="med">
+        <p:fade/>
+      </p:transition>
+    </mc:Fallback>
+  </mc:AlternateContent>
 </p:sld>
 </file>
 
@@ -4013,7 +4116,9 @@
         </p:nvSpPr>
         <p:spPr/>
         <p:txBody>
-          <a:bodyPr/>
+          <a:bodyPr>
+            <a:normAutofit lnSpcReduction="10000"/>
+          </a:bodyPr>
           <a:lstStyle/>
           <a:p>
             <a:pPr marL="0" lvl="0" indent="0">
@@ -4313,18 +4418,9 @@
   <p:clrMapOvr>
     <a:masterClrMapping/>
   </p:clrMapOvr>
-  <mc:AlternateContent xmlns:mc="http://schemas.openxmlformats.org/markup-compatibility/2006" xmlns:p159="http://schemas.microsoft.com/office/powerpoint/2015/09/main">
-    <mc:Choice Requires="p159">
-      <p:transition xmlns:p14="http://schemas.microsoft.com/office/powerpoint/2010/main" spd="slow" p14:dur="2000">
-        <p159:morph option="byObject"/>
-      </p:transition>
-    </mc:Choice>
-    <mc:Fallback xmlns="">
-      <p:transition spd="slow">
-        <p:fade/>
-      </p:transition>
-    </mc:Fallback>
-  </mc:AlternateContent>
+  <p:transition spd="slow">
+    <p:push dir="u"/>
+  </p:transition>
 </p:sld>
 </file>
 
@@ -4369,7 +4465,7 @@
           <a:lstStyle/>
           <a:p>
             <a:r>
-              <a:rPr lang="hu-HU" sz="6600" dirty="0"/>
+              <a:rPr lang="hu-HU" sz="6600" b="1" dirty="0"/>
               <a:t>Dominik munkássága</a:t>
             </a:r>
           </a:p>
@@ -4590,18 +4686,9 @@
   <p:clrMapOvr>
     <a:masterClrMapping/>
   </p:clrMapOvr>
-  <mc:AlternateContent xmlns:mc="http://schemas.openxmlformats.org/markup-compatibility/2006" xmlns:p159="http://schemas.microsoft.com/office/powerpoint/2015/09/main">
-    <mc:Choice Requires="p159">
-      <p:transition xmlns:p14="http://schemas.microsoft.com/office/powerpoint/2010/main" spd="slow" p14:dur="2000">
-        <p159:morph option="byObject"/>
-      </p:transition>
-    </mc:Choice>
-    <mc:Fallback xmlns="">
-      <p:transition spd="slow">
-        <p:fade/>
-      </p:transition>
-    </mc:Fallback>
-  </mc:AlternateContent>
+  <p:transition spd="slow">
+    <p:push dir="r"/>
+  </p:transition>
 </p:sld>
 </file>
 
@@ -4646,7 +4733,7 @@
           <a:lstStyle/>
           <a:p>
             <a:r>
-              <a:rPr lang="hu-HU" sz="6600" dirty="0"/>
+              <a:rPr lang="hu-HU" sz="6600" b="1" dirty="0"/>
               <a:t>Imre munkássága</a:t>
             </a:r>
           </a:p>
@@ -4670,7 +4757,9 @@
         </p:nvSpPr>
         <p:spPr/>
         <p:txBody>
-          <a:bodyPr/>
+          <a:bodyPr>
+            <a:normAutofit lnSpcReduction="10000"/>
+          </a:bodyPr>
           <a:lstStyle/>
           <a:p>
             <a:pPr>
@@ -4865,18 +4954,9 @@
   <p:clrMapOvr>
     <a:masterClrMapping/>
   </p:clrMapOvr>
-  <mc:AlternateContent xmlns:mc="http://schemas.openxmlformats.org/markup-compatibility/2006" xmlns:p159="http://schemas.microsoft.com/office/powerpoint/2015/09/main">
-    <mc:Choice Requires="p159">
-      <p:transition xmlns:p14="http://schemas.microsoft.com/office/powerpoint/2010/main" spd="slow" p14:dur="2000">
-        <p159:morph option="byObject"/>
-      </p:transition>
-    </mc:Choice>
-    <mc:Fallback xmlns="">
-      <p:transition spd="slow">
-        <p:fade/>
-      </p:transition>
-    </mc:Fallback>
-  </mc:AlternateContent>
+  <p:transition spd="slow">
+    <p:push dir="u"/>
+  </p:transition>
 </p:sld>
 </file>
 
@@ -4921,7 +5001,7 @@
           <a:lstStyle/>
           <a:p>
             <a:r>
-              <a:rPr lang="hu-HU" sz="6600" dirty="0"/>
+              <a:rPr lang="hu-HU" sz="6600" b="1" dirty="0"/>
               <a:t>Nándi munkássága</a:t>
             </a:r>
           </a:p>
@@ -4946,7 +5026,7 @@
         <p:spPr/>
         <p:txBody>
           <a:bodyPr>
-            <a:normAutofit/>
+            <a:normAutofit fontScale="92500" lnSpcReduction="10000"/>
           </a:bodyPr>
           <a:lstStyle/>
           <a:p>
@@ -5075,7 +5155,7 @@
         </p:blipFill>
         <p:spPr>
           <a:xfrm>
-            <a:off x="7425703" y="3945802"/>
+            <a:off x="7924641" y="3913335"/>
             <a:ext cx="3573730" cy="1804759"/>
           </a:xfrm>
           <a:prstGeom prst="rect">
@@ -5129,18 +5209,9 @@
   <p:clrMapOvr>
     <a:masterClrMapping/>
   </p:clrMapOvr>
-  <mc:AlternateContent xmlns:mc="http://schemas.openxmlformats.org/markup-compatibility/2006" xmlns:p159="http://schemas.microsoft.com/office/powerpoint/2015/09/main">
-    <mc:Choice Requires="p159">
-      <p:transition xmlns:p14="http://schemas.microsoft.com/office/powerpoint/2010/main" spd="slow" p14:dur="2000">
-        <p159:morph option="byObject"/>
-      </p:transition>
-    </mc:Choice>
-    <mc:Fallback xmlns="">
-      <p:transition spd="slow">
-        <p:fade/>
-      </p:transition>
-    </mc:Fallback>
-  </mc:AlternateContent>
+  <p:transition spd="slow">
+    <p:push/>
+  </p:transition>
 </p:sld>
 </file>
 
@@ -5185,7 +5256,7 @@
           <a:lstStyle/>
           <a:p>
             <a:r>
-              <a:rPr lang="hu-HU" sz="6600" dirty="0"/>
+              <a:rPr lang="hu-HU" sz="6600" b="1" dirty="0"/>
               <a:t>A program főbb függvényei</a:t>
             </a:r>
           </a:p>
@@ -5207,15 +5278,10 @@
             <p:ph idx="1"/>
           </p:nvPr>
         </p:nvSpPr>
-        <p:spPr>
-          <a:xfrm>
-            <a:off x="1097280" y="1845734"/>
-            <a:ext cx="10058400" cy="4023360"/>
-          </a:xfrm>
-        </p:spPr>
+        <p:spPr/>
         <p:txBody>
           <a:bodyPr>
-            <a:normAutofit/>
+            <a:normAutofit fontScale="92500" lnSpcReduction="20000"/>
           </a:bodyPr>
           <a:lstStyle/>
           <a:p>
@@ -5382,18 +5448,9 @@
   <p:clrMapOvr>
     <a:masterClrMapping/>
   </p:clrMapOvr>
-  <mc:AlternateContent xmlns:mc="http://schemas.openxmlformats.org/markup-compatibility/2006" xmlns:p159="http://schemas.microsoft.com/office/powerpoint/2015/09/main">
-    <mc:Choice Requires="p159">
-      <p:transition xmlns:p14="http://schemas.microsoft.com/office/powerpoint/2010/main" spd="slow" p14:dur="2000">
-        <p159:morph option="byObject"/>
-      </p:transition>
-    </mc:Choice>
-    <mc:Fallback xmlns="">
-      <p:transition spd="slow">
-        <p:fade/>
-      </p:transition>
-    </mc:Fallback>
-  </mc:AlternateContent>
+  <p:transition spd="slow">
+    <p:push dir="u"/>
+  </p:transition>
 </p:sld>
 </file>
 
@@ -5438,12 +5495,12 @@
         </p:spPr>
         <p:txBody>
           <a:bodyPr>
-            <a:normAutofit fontScale="90000"/>
+            <a:noAutofit/>
           </a:bodyPr>
           <a:lstStyle/>
           <a:p>
             <a:r>
-              <a:rPr lang="hu-HU" sz="14900" dirty="0"/>
+              <a:rPr lang="hu-HU" sz="9600" b="1" dirty="0"/>
               <a:t>Köszönjük a figyelmet!</a:t>
             </a:r>
           </a:p>
@@ -5496,7 +5553,7 @@
         </p:blipFill>
         <p:spPr>
           <a:xfrm>
-            <a:off x="536539" y="881895"/>
+            <a:off x="1149099" y="1805173"/>
             <a:ext cx="2490125" cy="3573725"/>
           </a:xfrm>
           <a:prstGeom prst="rect">
@@ -5554,18 +5611,9 @@
   <p:clrMapOvr>
     <a:masterClrMapping/>
   </p:clrMapOvr>
-  <mc:AlternateContent xmlns:mc="http://schemas.openxmlformats.org/markup-compatibility/2006" xmlns:p159="http://schemas.microsoft.com/office/powerpoint/2015/09/main">
-    <mc:Choice Requires="p159">
-      <p:transition xmlns:p14="http://schemas.microsoft.com/office/powerpoint/2010/main" spd="slow" p14:dur="2000">
-        <p159:morph option="byObject"/>
-      </p:transition>
-    </mc:Choice>
-    <mc:Fallback xmlns="">
-      <p:transition spd="slow">
-        <p:fade/>
-      </p:transition>
-    </mc:Fallback>
-  </mc:AlternateContent>
+  <p:transition spd="slow">
+    <p:wheel spokes="1"/>
+  </p:transition>
   <p:timing>
     <p:tnLst>
       <p:par>
@@ -5668,93 +5716,58 @@
 </file>
 
 <file path=ppt/theme/theme1.xml><?xml version="1.0" encoding="utf-8"?>
-<a:theme xmlns:a="http://schemas.openxmlformats.org/drawingml/2006/main" name="Retrospektív">
+<a:theme xmlns:a="http://schemas.openxmlformats.org/drawingml/2006/main" name="Körülvágás">
   <a:themeElements>
-    <a:clrScheme name="Retrospektív">
+    <a:clrScheme name="Körülvágás">
       <a:dk1>
-        <a:srgbClr val="000000"/>
+        <a:sysClr val="windowText" lastClr="000000"/>
       </a:dk1>
       <a:lt1>
         <a:sysClr val="window" lastClr="FFFFFF"/>
       </a:lt1>
       <a:dk2>
-        <a:srgbClr val="637052"/>
+        <a:srgbClr val="191B0E"/>
       </a:dk2>
       <a:lt2>
-        <a:srgbClr val="CCDDEA"/>
+        <a:srgbClr val="EFEDE3"/>
       </a:lt2>
       <a:accent1>
-        <a:srgbClr val="E48312"/>
+        <a:srgbClr val="8C8D86"/>
       </a:accent1>
       <a:accent2>
-        <a:srgbClr val="BD582C"/>
+        <a:srgbClr val="E6C069"/>
       </a:accent2>
       <a:accent3>
-        <a:srgbClr val="865640"/>
+        <a:srgbClr val="897B61"/>
       </a:accent3>
       <a:accent4>
-        <a:srgbClr val="9B8357"/>
+        <a:srgbClr val="8DAB8E"/>
       </a:accent4>
       <a:accent5>
-        <a:srgbClr val="C2BC80"/>
+        <a:srgbClr val="77A2BB"/>
       </a:accent5>
       <a:accent6>
-        <a:srgbClr val="94A088"/>
+        <a:srgbClr val="E28394"/>
       </a:accent6>
       <a:hlink>
-        <a:srgbClr val="2998E3"/>
+        <a:srgbClr val="77A2BB"/>
       </a:hlink>
       <a:folHlink>
-        <a:srgbClr val="8C8C8C"/>
+        <a:srgbClr val="957A99"/>
       </a:folHlink>
     </a:clrScheme>
-    <a:fontScheme name="Retrospektív">
+    <a:fontScheme name="Körülvágás">
       <a:majorFont>
-        <a:latin typeface="Calibri Light" panose="020F0302020204030204"/>
+        <a:latin typeface="Franklin Gothic Book" panose="020B0503020102020204"/>
         <a:ea typeface=""/>
         <a:cs typeface=""/>
-        <a:font script="Jpan" typeface="ＭＳ Ｐゴシック"/>
-        <a:font script="Hang" typeface="맑은 고딕"/>
-        <a:font script="Hans" typeface="宋体"/>
-        <a:font script="Hant" typeface="新細明體"/>
-        <a:font script="Arab" typeface="Times New Roman"/>
-        <a:font script="Hebr" typeface="Times New Roman"/>
-        <a:font script="Thai" typeface="Angsana New"/>
-        <a:font script="Ethi" typeface="Nyala"/>
-        <a:font script="Beng" typeface="Vrinda"/>
-        <a:font script="Gujr" typeface="Shruti"/>
-        <a:font script="Khmr" typeface="MoolBoran"/>
-        <a:font script="Knda" typeface="Tunga"/>
-        <a:font script="Guru" typeface="Raavi"/>
-        <a:font script="Cans" typeface="Euphemia"/>
-        <a:font script="Cher" typeface="Plantagenet Cherokee"/>
-        <a:font script="Yiii" typeface="Microsoft Yi Baiti"/>
-        <a:font script="Tibt" typeface="Microsoft Himalaya"/>
-        <a:font script="Thaa" typeface="MV Boli"/>
-        <a:font script="Deva" typeface="Mangal"/>
-        <a:font script="Telu" typeface="Gautami"/>
-        <a:font script="Taml" typeface="Latha"/>
-        <a:font script="Syrc" typeface="Estrangelo Edessa"/>
-        <a:font script="Orya" typeface="Kalinga"/>
-        <a:font script="Mlym" typeface="Kartika"/>
-        <a:font script="Laoo" typeface="DokChampa"/>
-        <a:font script="Sinh" typeface="Iskoola Pota"/>
-        <a:font script="Mong" typeface="Mongolian Baiti"/>
-        <a:font script="Viet" typeface="Times New Roman"/>
-        <a:font script="Uigh" typeface="Microsoft Uighur"/>
-        <a:font script="Geor" typeface="Sylfaen"/>
-      </a:majorFont>
-      <a:minorFont>
-        <a:latin typeface="Calibri" panose="020F0502020204030204"/>
-        <a:ea typeface=""/>
-        <a:cs typeface=""/>
-        <a:font script="Jpan" typeface="ＭＳ Ｐゴシック"/>
-        <a:font script="Hang" typeface="맑은 고딕"/>
-        <a:font script="Hans" typeface="宋体"/>
-        <a:font script="Hant" typeface="新細明體"/>
-        <a:font script="Arab" typeface="Arial"/>
-        <a:font script="Hebr" typeface="Arial"/>
-        <a:font script="Thai" typeface="Cordia New"/>
+        <a:font script="Jpan" typeface="メイリオ"/>
+        <a:font script="Hang" typeface="돋움"/>
+        <a:font script="Hans" typeface="华文楷体"/>
+        <a:font script="Hant" typeface="微軟正黑體"/>
+        <a:font script="Arab" typeface="Tahoma"/>
+        <a:font script="Hebr" typeface="Aharoni"/>
+        <a:font script="Thai" typeface="LilyUPC"/>
         <a:font script="Ethi" typeface="Nyala"/>
         <a:font script="Beng" typeface="Vrinda"/>
         <a:font script="Gujr" typeface="Shruti"/>
@@ -5775,12 +5788,47 @@
         <a:font script="Laoo" typeface="DokChampa"/>
         <a:font script="Sinh" typeface="Iskoola Pota"/>
         <a:font script="Mong" typeface="Mongolian Baiti"/>
-        <a:font script="Viet" typeface="Arial"/>
+        <a:font script="Viet" typeface="Tahoma"/>
+        <a:font script="Uigh" typeface="Microsoft Uighur"/>
+        <a:font script="Geor" typeface="Sylfaen"/>
+      </a:majorFont>
+      <a:minorFont>
+        <a:latin typeface="Franklin Gothic Book" panose="020B0503020102020204"/>
+        <a:ea typeface=""/>
+        <a:cs typeface=""/>
+        <a:font script="Jpan" typeface="メイリオ"/>
+        <a:font script="Hang" typeface="돋움"/>
+        <a:font script="Hans" typeface="华文楷体"/>
+        <a:font script="Hant" typeface="微軟正黑體"/>
+        <a:font script="Arab" typeface="Tahoma"/>
+        <a:font script="Hebr" typeface="Aharoni"/>
+        <a:font script="Thai" typeface="LilyUPC"/>
+        <a:font script="Ethi" typeface="Nyala"/>
+        <a:font script="Beng" typeface="Vrinda"/>
+        <a:font script="Gujr" typeface="Shruti"/>
+        <a:font script="Khmr" typeface="DaunPenh"/>
+        <a:font script="Knda" typeface="Tunga"/>
+        <a:font script="Guru" typeface="Raavi"/>
+        <a:font script="Cans" typeface="Euphemia"/>
+        <a:font script="Cher" typeface="Plantagenet Cherokee"/>
+        <a:font script="Yiii" typeface="Microsoft Yi Baiti"/>
+        <a:font script="Tibt" typeface="Microsoft Himalaya"/>
+        <a:font script="Thaa" typeface="MV Boli"/>
+        <a:font script="Deva" typeface="Mangal"/>
+        <a:font script="Telu" typeface="Gautami"/>
+        <a:font script="Taml" typeface="Latha"/>
+        <a:font script="Syrc" typeface="Estrangelo Edessa"/>
+        <a:font script="Orya" typeface="Kalinga"/>
+        <a:font script="Mlym" typeface="Kartika"/>
+        <a:font script="Laoo" typeface="DokChampa"/>
+        <a:font script="Sinh" typeface="Iskoola Pota"/>
+        <a:font script="Mong" typeface="Mongolian Baiti"/>
+        <a:font script="Viet" typeface="Tahoma"/>
         <a:font script="Uigh" typeface="Microsoft Uighur"/>
         <a:font script="Geor" typeface="Sylfaen"/>
       </a:minorFont>
     </a:fontScheme>
-    <a:fmtScheme name="Retrospektív">
+    <a:fmtScheme name="Körülvágás">
       <a:fillStyleLst>
         <a:solidFill>
           <a:schemeClr val="phClr"/>
@@ -5789,77 +5837,69 @@
           <a:gsLst>
             <a:gs pos="0">
               <a:schemeClr val="phClr">
-                <a:tint val="65000"/>
-                <a:shade val="92000"/>
-                <a:satMod val="130000"/>
+                <a:tint val="67000"/>
+                <a:satMod val="105000"/>
+                <a:lumMod val="110000"/>
               </a:schemeClr>
             </a:gs>
-            <a:gs pos="45000">
+            <a:gs pos="50000">
               <a:schemeClr val="phClr">
-                <a:tint val="60000"/>
-                <a:shade val="99000"/>
-                <a:satMod val="120000"/>
+                <a:tint val="73000"/>
+                <a:satMod val="103000"/>
+                <a:lumMod val="105000"/>
               </a:schemeClr>
             </a:gs>
             <a:gs pos="100000">
               <a:schemeClr val="phClr">
-                <a:tint val="55000"/>
-                <a:satMod val="140000"/>
+                <a:tint val="81000"/>
+                <a:satMod val="109000"/>
+                <a:lumMod val="105000"/>
               </a:schemeClr>
             </a:gs>
           </a:gsLst>
-          <a:path path="circle">
-            <a:fillToRect l="100000" t="100000" r="100000" b="100000"/>
-          </a:path>
+          <a:lin ang="5400000" scaled="0"/>
         </a:gradFill>
         <a:gradFill rotWithShape="1">
           <a:gsLst>
             <a:gs pos="0">
               <a:schemeClr val="phClr">
-                <a:shade val="85000"/>
-                <a:satMod val="130000"/>
+                <a:tint val="94000"/>
+                <a:satMod val="103000"/>
+                <a:lumMod val="102000"/>
               </a:schemeClr>
             </a:gs>
-            <a:gs pos="34000">
+            <a:gs pos="50000">
               <a:schemeClr val="phClr">
-                <a:shade val="87000"/>
-                <a:satMod val="125000"/>
-              </a:schemeClr>
-            </a:gs>
-            <a:gs pos="70000">
-              <a:schemeClr val="phClr">
-                <a:tint val="100000"/>
-                <a:shade val="90000"/>
-                <a:satMod val="130000"/>
+                <a:shade val="100000"/>
+                <a:satMod val="110000"/>
+                <a:lumMod val="100000"/>
               </a:schemeClr>
             </a:gs>
             <a:gs pos="100000">
               <a:schemeClr val="phClr">
-                <a:tint val="100000"/>
-                <a:shade val="100000"/>
-                <a:satMod val="110000"/>
+                <a:shade val="78000"/>
+                <a:satMod val="120000"/>
+                <a:lumMod val="99000"/>
               </a:schemeClr>
             </a:gs>
           </a:gsLst>
-          <a:path path="circle">
-            <a:fillToRect l="100000" t="100000" r="100000" b="100000"/>
-          </a:path>
+          <a:lin ang="5400000" scaled="0"/>
         </a:gradFill>
       </a:fillStyleLst>
       <a:lnStyleLst>
-        <a:ln w="12700" cap="flat" cmpd="sng" algn="ctr">
+        <a:ln w="6350" cap="flat" cmpd="sng" algn="in">
           <a:solidFill>
             <a:schemeClr val="phClr"/>
           </a:solidFill>
           <a:prstDash val="solid"/>
         </a:ln>
-        <a:ln w="15875" cap="flat" cmpd="sng" algn="ctr">
+        <a:ln w="34925" cap="flat" cmpd="sng" algn="in">
           <a:solidFill>
             <a:schemeClr val="phClr"/>
           </a:solidFill>
           <a:prstDash val="solid"/>
         </a:ln>
-        <a:ln w="25400" cap="flat" cmpd="sng" algn="ctr">
+        <a:ln w="19050" cap="flat" cmpd="sng" algn="in">
           <a:solidFill>
             <a:schemeClr val="phClr"/>
           </a:solidFill>
@@ -5871,33 +5911,16 @@
           <a:effectLst/>
         </a:effectStyle>
         <a:effectStyle>
+          <a:effectLst/>
+        </a:effectStyle>
+        <a:effectStyle>
           <a:effectLst>
-            <a:outerShdw blurRad="38100" dist="25400" dir="2700000" algn="br" rotWithShape="0">
+            <a:outerShdw blurRad="57150" dist="19050" dir="5400000" algn="ctr" rotWithShape="0">
               <a:srgbClr val="000000">
-                <a:alpha val="60000"/>
+                <a:alpha val="35000"/>
               </a:srgbClr>
             </a:outerShdw>
           </a:effectLst>
-        </a:effectStyle>
-        <a:effectStyle>
-          <a:effectLst>
-            <a:outerShdw blurRad="44450" dist="25400" dir="2700000" algn="br" rotWithShape="0">
-              <a:srgbClr val="000000">
-                <a:alpha val="60000"/>
-              </a:srgbClr>
-            </a:outerShdw>
-          </a:effectLst>
-          <a:scene3d>
-            <a:camera prst="orthographicFront">
-              <a:rot lat="0" lon="0" rev="0"/>
-            </a:camera>
-            <a:lightRig rig="threePt" dir="t">
-              <a:rot lat="0" lon="0" rev="19800000"/>
-            </a:lightRig>
-          </a:scene3d>
-          <a:sp3d prstMaterial="flat">
-            <a:bevelT w="25400" h="31750"/>
-          </a:sp3d>
         </a:effectStyle>
       </a:effectStyleLst>
       <a:bgFillStyleLst>
@@ -5906,36 +5929,36 @@
         </a:solidFill>
         <a:solidFill>
           <a:schemeClr val="phClr">
-            <a:tint val="90000"/>
-            <a:shade val="97000"/>
-            <a:satMod val="130000"/>
+            <a:tint val="95000"/>
+            <a:satMod val="170000"/>
           </a:schemeClr>
         </a:solidFill>
         <a:gradFill rotWithShape="1">
           <a:gsLst>
             <a:gs pos="0">
               <a:schemeClr val="phClr">
-                <a:tint val="96000"/>
-                <a:shade val="99000"/>
-                <a:satMod val="140000"/>
+                <a:tint val="93000"/>
+                <a:shade val="98000"/>
+                <a:satMod val="150000"/>
+                <a:lumMod val="102000"/>
               </a:schemeClr>
             </a:gs>
-            <a:gs pos="65000">
+            <a:gs pos="50000">
               <a:schemeClr val="phClr">
-                <a:tint val="100000"/>
-                <a:shade val="80000"/>
+                <a:tint val="98000"/>
+                <a:shade val="90000"/>
                 <a:satMod val="130000"/>
+                <a:lumMod val="103000"/>
               </a:schemeClr>
             </a:gs>
             <a:gs pos="100000">
               <a:schemeClr val="phClr">
-                <a:tint val="100000"/>
-                <a:shade val="48000"/>
+                <a:shade val="63000"/>
                 <a:satMod val="120000"/>
               </a:schemeClr>
             </a:gs>
           </a:gsLst>
-          <a:lin ang="16200000" scaled="0"/>
+          <a:lin ang="5400000" scaled="0"/>
         </a:gradFill>
       </a:bgFillStyleLst>
     </a:fmtScheme>
@@ -5944,7 +5967,7 @@
   <a:extraClrSchemeLst/>
   <a:extLst>
     <a:ext uri="{05A4C25C-085E-4340-85A3-A5531E510DB2}">
-      <thm15:themeFamily xmlns:thm15="http://schemas.microsoft.com/office/thememl/2012/main" name="Retrospect" id="{5F128B03-DCCA-4EEB-AB3B-CF2899314A46}" vid="{3F1AAB62-24C6-49D2-8E01-B56FAC9A3DCD}"/>
+      <thm15:themeFamily xmlns:thm15="http://schemas.microsoft.com/office/thememl/2012/main" name="Crop" id="{EC9488ED-E761-4D60-9AC4-764D1FE2C171}" vid="{CE19780C-D67D-4C13-9DE9-A52BC3BA51B4}"/>
     </a:ext>
   </a:extLst>
 </a:theme>
